--- a/Whiteboard design session/resources/image source.pptx
+++ b/Whiteboard design session/resources/image source.pptx
@@ -5,10 +5,10 @@
     <p:sldMasterId id="2147483665" r:id="rId1"/>
   </p:sldMasterIdLst>
   <p:notesMasterIdLst>
-    <p:notesMasterId r:id="rId13"/>
+    <p:notesMasterId r:id="rId14"/>
   </p:notesMasterIdLst>
   <p:handoutMasterIdLst>
-    <p:handoutMasterId r:id="rId14"/>
+    <p:handoutMasterId r:id="rId15"/>
   </p:handoutMasterIdLst>
   <p:sldIdLst>
     <p:sldId id="300" r:id="rId2"/>
@@ -19,9 +19,10 @@
     <p:sldId id="340" r:id="rId7"/>
     <p:sldId id="342" r:id="rId8"/>
     <p:sldId id="316" r:id="rId9"/>
-    <p:sldId id="345" r:id="rId10"/>
-    <p:sldId id="374" r:id="rId11"/>
-    <p:sldId id="376" r:id="rId12"/>
+    <p:sldId id="379" r:id="rId10"/>
+    <p:sldId id="345" r:id="rId11"/>
+    <p:sldId id="374" r:id="rId12"/>
+    <p:sldId id="376" r:id="rId13"/>
   </p:sldIdLst>
   <p:sldSz cx="12192000" cy="6858000"/>
   <p:notesSz cx="6858000" cy="9144000"/>
@@ -231,7 +232,7 @@
           <a:p>
             <a:fld id="{0B4ED74A-224F-4188-850E-AD5C4B751E0D}" type="datetimeFigureOut">
               <a:rPr lang="en-US" smtClean="0"/>
-              <a:t>6/10/2018</a:t>
+              <a:t>12/19/2018</a:t>
             </a:fld>
             <a:endParaRPr lang="en-US" dirty="0"/>
           </a:p>
@@ -408,7 +409,7 @@
           <a:p>
             <a:fld id="{52A13B17-C506-4D51-BB37-16B365906619}" type="datetimeFigureOut">
               <a:rPr lang="en-US" smtClean="0"/>
-              <a:t>6/10/2018</a:t>
+              <a:t>12/19/2018</a:t>
             </a:fld>
             <a:endParaRPr lang="en-US" dirty="0"/>
           </a:p>
@@ -956,6 +957,101 @@
           <a:lstStyle/>
           <a:p>
             <a:r>
+              <a:rPr lang="en-CA" dirty="0"/>
+              <a:t>The diagram comprises three sub-diagrams, each showing an approach for migrating the procurement system web tier. In all three, the existing server sits to the left and the virtual machine hosting the migrated web server sits to the right, with a green arrow showing the migration from left to right. In the first case, the arrow includes the Azure Site Recovery icon. In the second case, the arrow is labelled 'V2V'. In the third case, the arrow is labelled </a:t>
+            </a:r>
+            <a:r>
+              <a:rPr lang="en-CA" dirty="0" err="1"/>
+              <a:t>'Re</a:t>
+            </a:r>
+            <a:r>
+              <a:rPr lang="en-CA" dirty="0"/>
+              <a:t>-install'.</a:t>
+            </a:r>
+          </a:p>
+        </p:txBody>
+      </p:sp>
+      <p:sp>
+        <p:nvSpPr>
+          <p:cNvPr id="4" name="Slide Number Placeholder 3"/>
+          <p:cNvSpPr>
+            <a:spLocks noGrp="1"/>
+          </p:cNvSpPr>
+          <p:nvPr>
+            <p:ph type="sldNum" sz="quarter" idx="10"/>
+          </p:nvPr>
+        </p:nvSpPr>
+        <p:spPr/>
+        <p:txBody>
+          <a:bodyPr/>
+          <a:lstStyle/>
+          <a:p>
+            <a:fld id="{0998D5BB-B127-481F-BC0A-2F77C576BB34}" type="slidenum">
+              <a:rPr lang="en-US" smtClean="0"/>
+              <a:t>10</a:t>
+            </a:fld>
+            <a:endParaRPr lang="en-US" dirty="0"/>
+          </a:p>
+        </p:txBody>
+      </p:sp>
+    </p:spTree>
+    <p:extLst>
+      <p:ext uri="{BB962C8B-B14F-4D97-AF65-F5344CB8AC3E}">
+        <p14:creationId xmlns:p14="http://schemas.microsoft.com/office/powerpoint/2010/main" val="4097453372"/>
+      </p:ext>
+    </p:extLst>
+  </p:cSld>
+  <p:clrMapOvr>
+    <a:masterClrMapping/>
+  </p:clrMapOvr>
+</p:notes>
+</file>
+
+<file path=ppt/notesSlides/notesSlide11.xml><?xml version="1.0" encoding="utf-8"?>
+<p:notes xmlns:a="http://schemas.openxmlformats.org/drawingml/2006/main" xmlns:r="http://schemas.openxmlformats.org/officeDocument/2006/relationships" xmlns:p="http://schemas.openxmlformats.org/presentationml/2006/main">
+  <p:cSld>
+    <p:spTree>
+      <p:nvGrpSpPr>
+        <p:cNvPr id="1" name=""/>
+        <p:cNvGrpSpPr/>
+        <p:nvPr/>
+      </p:nvGrpSpPr>
+      <p:grpSpPr>
+        <a:xfrm>
+          <a:off x="0" y="0"/>
+          <a:ext cx="0" cy="0"/>
+          <a:chOff x="0" y="0"/>
+          <a:chExt cx="0" cy="0"/>
+        </a:xfrm>
+      </p:grpSpPr>
+      <p:sp>
+        <p:nvSpPr>
+          <p:cNvPr id="2" name="Slide Image Placeholder 1"/>
+          <p:cNvSpPr>
+            <a:spLocks noGrp="1" noRot="1" noChangeAspect="1"/>
+          </p:cNvSpPr>
+          <p:nvPr>
+            <p:ph type="sldImg"/>
+          </p:nvPr>
+        </p:nvSpPr>
+        <p:spPr/>
+      </p:sp>
+      <p:sp>
+        <p:nvSpPr>
+          <p:cNvPr id="3" name="Notes Placeholder 2"/>
+          <p:cNvSpPr>
+            <a:spLocks noGrp="1"/>
+          </p:cNvSpPr>
+          <p:nvPr>
+            <p:ph type="body" idx="1"/>
+          </p:nvPr>
+        </p:nvSpPr>
+        <p:spPr/>
+        <p:txBody>
+          <a:bodyPr/>
+          <a:lstStyle/>
+          <a:p>
+            <a:r>
               <a:rPr lang="en-US" sz="1200" b="0" kern="1200" dirty="0">
                 <a:solidFill>
                   <a:schemeClr val="tx1"/>
@@ -987,7 +1083,7 @@
           <a:p>
             <a:fld id="{0998D5BB-B127-481F-BC0A-2F77C576BB34}" type="slidenum">
               <a:rPr lang="en-US" smtClean="0"/>
-              <a:t>10</a:t>
+              <a:t>11</a:t>
             </a:fld>
             <a:endParaRPr lang="en-US" dirty="0"/>
           </a:p>
@@ -1006,7 +1102,7 @@
 </p:notes>
 </file>
 
-<file path=ppt/notesSlides/notesSlide11.xml><?xml version="1.0" encoding="utf-8"?>
+<file path=ppt/notesSlides/notesSlide12.xml><?xml version="1.0" encoding="utf-8"?>
 <p:notes xmlns:a="http://schemas.openxmlformats.org/drawingml/2006/main" xmlns:r="http://schemas.openxmlformats.org/officeDocument/2006/relationships" xmlns:p="http://schemas.openxmlformats.org/presentationml/2006/main">
   <p:cSld>
     <p:spTree>
@@ -1106,7 +1202,7 @@
           <a:p>
             <a:fld id="{148D4592-6837-45C4-B65B-13E03ECAF0B2}" type="slidenum">
               <a:rPr lang="en-US" smtClean="0"/>
-              <a:t>11</a:t>
+              <a:t>12</a:t>
             </a:fld>
             <a:endParaRPr lang="en-US" dirty="0"/>
           </a:p>
@@ -1901,16 +1997,40 @@
           <a:lstStyle/>
           <a:p>
             <a:r>
-              <a:rPr lang="en-CA" dirty="0"/>
-              <a:t>The diagram comprises three sub-diagrams, each showing an approach for migrating the procurement system web tier. In all three, the existing server sits to the left and the virtual machine hosting the migrated web server sits to the right, with a green arrow showing the migration from left to right. In the first case, the arrow includes the Azure Site Recovery icon. In the second case, the arrow is labelled 'V2V'. In the third case, the arrow is labelled </a:t>
+              <a:rPr lang="en-US" sz="1200" b="0" kern="1200" dirty="0">
+                <a:solidFill>
+                  <a:schemeClr val="tx1"/>
+                </a:solidFill>
+                <a:effectLst/>
+                <a:latin typeface="+mn-lt"/>
+                <a:ea typeface="+mn-ea"/>
+                <a:cs typeface="+mn-cs"/>
+              </a:rPr>
+              <a:t>This diagram shows the design for the procurement system once migrated to Azure. At the top is the ExpressRoute icon. This is connected to the Application Gateway icon, which sits in the App </a:t>
             </a:r>
             <a:r>
-              <a:rPr lang="en-CA" dirty="0" err="1"/>
-              <a:t>'Re</a:t>
+              <a:rPr lang="en-US" sz="1200" b="0" kern="1200" dirty="0" err="1">
+                <a:solidFill>
+                  <a:schemeClr val="tx1"/>
+                </a:solidFill>
+                <a:effectLst/>
+                <a:latin typeface="+mn-lt"/>
+                <a:ea typeface="+mn-ea"/>
+                <a:cs typeface="+mn-cs"/>
+              </a:rPr>
+              <a:t>Gw</a:t>
             </a:r>
             <a:r>
-              <a:rPr lang="en-CA" dirty="0"/>
-              <a:t>-install'.</a:t>
+              <a:rPr lang="en-US" sz="1200" b="0" kern="1200" dirty="0">
+                <a:solidFill>
+                  <a:schemeClr val="tx1"/>
+                </a:solidFill>
+                <a:effectLst/>
+                <a:latin typeface="+mn-lt"/>
+                <a:ea typeface="+mn-ea"/>
+                <a:cs typeface="+mn-cs"/>
+              </a:rPr>
+              <a:t> subnet, and is labelled with 'Static IP address' and 'Cookie affinity'. The Application Gateway is connected to the web tier virtual machines, which sit within an availability set within the web tier subnet. The web tier virtual machines are connected to the internal load balancer icon, sits in the database tier subnet and is labelled with 'Direct Server Return'. This is connected to the database virtual machines, which sit within an availability set, also within the database tier subnet. The database virtual machines are connected to a storage account icon, which is labelled 'Cloud Witness (storage account)'.</a:t>
             </a:r>
           </a:p>
         </p:txBody>
@@ -1941,7 +2061,7 @@
     </p:spTree>
     <p:extLst>
       <p:ext uri="{BB962C8B-B14F-4D97-AF65-F5344CB8AC3E}">
-        <p14:creationId xmlns:p14="http://schemas.microsoft.com/office/powerpoint/2010/main" val="4097453372"/>
+        <p14:creationId xmlns:p14="http://schemas.microsoft.com/office/powerpoint/2010/main" val="3307762024"/>
       </p:ext>
     </p:extLst>
   </p:cSld>
@@ -10075,6 +10195,932 @@
       </p:grpSpPr>
       <p:sp>
         <p:nvSpPr>
+          <p:cNvPr id="18" name="Rectangle 17">
+            <a:extLst>
+              <a:ext uri="{FF2B5EF4-FFF2-40B4-BE49-F238E27FC236}">
+                <a16:creationId xmlns:a16="http://schemas.microsoft.com/office/drawing/2014/main" id="{96585849-D0C8-42EC-BE0E-2C95A4BDBFE6}"/>
+              </a:ext>
+            </a:extLst>
+          </p:cNvPr>
+          <p:cNvSpPr/>
+          <p:nvPr/>
+        </p:nvSpPr>
+        <p:spPr bwMode="auto">
+          <a:xfrm>
+            <a:off x="7079116" y="1189176"/>
+            <a:ext cx="4815778" cy="5379313"/>
+          </a:xfrm>
+          <a:prstGeom prst="rect">
+            <a:avLst/>
+          </a:prstGeom>
+          <a:solidFill>
+            <a:schemeClr val="tx1"/>
+          </a:solidFill>
+          <a:ln w="25400">
+            <a:noFill/>
+            <a:headEnd type="none" w="med" len="med"/>
+            <a:tailEnd type="none" w="med" len="med"/>
+          </a:ln>
+          <a:effectLst/>
+        </p:spPr>
+        <p:style>
+          <a:lnRef idx="1">
+            <a:schemeClr val="accent2"/>
+          </a:lnRef>
+          <a:fillRef idx="3">
+            <a:schemeClr val="accent2"/>
+          </a:fillRef>
+          <a:effectRef idx="2">
+            <a:schemeClr val="accent2"/>
+          </a:effectRef>
+          <a:fontRef idx="minor">
+            <a:schemeClr val="lt1"/>
+          </a:fontRef>
+        </p:style>
+        <p:txBody>
+          <a:bodyPr rot="0" spcFirstLastPara="0" vertOverflow="overflow" horzOverflow="overflow" vert="horz" wrap="square" lIns="182880" tIns="146304" rIns="182880" bIns="146304" numCol="1" spcCol="0" rtlCol="0" fromWordArt="0" anchor="t" anchorCtr="0" forceAA="0" compatLnSpc="1">
+            <a:prstTxWarp prst="textNoShape">
+              <a:avLst/>
+            </a:prstTxWarp>
+            <a:noAutofit/>
+          </a:bodyPr>
+          <a:lstStyle/>
+          <a:p>
+            <a:pPr algn="ctr" defTabSz="932472" fontAlgn="base">
+              <a:lnSpc>
+                <a:spcPct val="90000"/>
+              </a:lnSpc>
+              <a:spcBef>
+                <a:spcPct val="0"/>
+              </a:spcBef>
+              <a:spcAft>
+                <a:spcPct val="0"/>
+              </a:spcAft>
+            </a:pPr>
+            <a:endParaRPr lang="en-IE" sz="2400" dirty="0" err="1">
+              <a:gradFill>
+                <a:gsLst>
+                  <a:gs pos="0">
+                    <a:srgbClr val="FFFFFF"/>
+                  </a:gs>
+                  <a:gs pos="100000">
+                    <a:srgbClr val="FFFFFF"/>
+                  </a:gs>
+                </a:gsLst>
+                <a:lin ang="5400000" scaled="0"/>
+              </a:gradFill>
+              <a:ea typeface="Segoe UI" pitchFamily="34" charset="0"/>
+              <a:cs typeface="Segoe UI" pitchFamily="34" charset="0"/>
+            </a:endParaRPr>
+          </a:p>
+        </p:txBody>
+      </p:sp>
+      <p:sp>
+        <p:nvSpPr>
+          <p:cNvPr id="3" name="Title 2">
+            <a:extLst>
+              <a:ext uri="{FF2B5EF4-FFF2-40B4-BE49-F238E27FC236}">
+                <a16:creationId xmlns:a16="http://schemas.microsoft.com/office/drawing/2014/main" id="{66A68177-90F0-4F53-B613-75902B630F9E}"/>
+              </a:ext>
+            </a:extLst>
+          </p:cNvPr>
+          <p:cNvSpPr>
+            <a:spLocks noGrp="1"/>
+          </p:cNvSpPr>
+          <p:nvPr>
+            <p:ph type="title"/>
+          </p:nvPr>
+        </p:nvSpPr>
+        <p:spPr/>
+        <p:txBody>
+          <a:bodyPr/>
+          <a:lstStyle/>
+          <a:p>
+            <a:r>
+              <a:rPr lang="en-US" sz="4400" dirty="0">
+                <a:solidFill>
+                  <a:schemeClr val="tx1"/>
+                </a:solidFill>
+              </a:rPr>
+              <a:t>Procurement – web tier migration options</a:t>
+            </a:r>
+            <a:endParaRPr lang="en-US" sz="4400" dirty="0"/>
+          </a:p>
+        </p:txBody>
+      </p:sp>
+      <p:sp>
+        <p:nvSpPr>
+          <p:cNvPr id="2" name="Text Placeholder 1">
+            <a:extLst>
+              <a:ext uri="{FF2B5EF4-FFF2-40B4-BE49-F238E27FC236}">
+                <a16:creationId xmlns:a16="http://schemas.microsoft.com/office/drawing/2014/main" id="{A0080AB5-C747-4D3D-AAAB-313926CDAC4D}"/>
+              </a:ext>
+            </a:extLst>
+          </p:cNvPr>
+          <p:cNvSpPr>
+            <a:spLocks noGrp="1"/>
+          </p:cNvSpPr>
+          <p:nvPr>
+            <p:ph type="body" sz="quarter" idx="10"/>
+          </p:nvPr>
+        </p:nvSpPr>
+        <p:spPr>
+          <a:xfrm>
+            <a:off x="319568" y="1471709"/>
+            <a:ext cx="6422506" cy="517065"/>
+          </a:xfrm>
+        </p:spPr>
+        <p:txBody>
+          <a:bodyPr/>
+          <a:lstStyle/>
+          <a:p>
+            <a:pPr marL="0" indent="0">
+              <a:buNone/>
+            </a:pPr>
+            <a:endParaRPr lang="en-US" sz="2400" dirty="0">
+              <a:latin typeface="+mn-lt"/>
+            </a:endParaRPr>
+          </a:p>
+        </p:txBody>
+      </p:sp>
+      <p:pic>
+        <p:nvPicPr>
+          <p:cNvPr id="9" name="Picture 8">
+            <a:extLst>
+              <a:ext uri="{FF2B5EF4-FFF2-40B4-BE49-F238E27FC236}">
+                <a16:creationId xmlns:a16="http://schemas.microsoft.com/office/drawing/2014/main" id="{15650F88-5B76-4E37-BAE4-367D0152F72E}"/>
+              </a:ext>
+            </a:extLst>
+          </p:cNvPr>
+          <p:cNvPicPr>
+            <a:picLocks noChangeAspect="1"/>
+          </p:cNvPicPr>
+          <p:nvPr/>
+        </p:nvPicPr>
+        <p:blipFill>
+          <a:blip r:embed="rId3" cstate="print">
+            <a:extLst>
+              <a:ext uri="{28A0092B-C50C-407E-A947-70E740481C1C}">
+                <a14:useLocalDpi xmlns:a14="http://schemas.microsoft.com/office/drawing/2010/main" val="0"/>
+              </a:ext>
+            </a:extLst>
+          </a:blip>
+          <a:stretch>
+            <a:fillRect/>
+          </a:stretch>
+        </p:blipFill>
+        <p:spPr>
+          <a:xfrm>
+            <a:off x="10318526" y="3312471"/>
+            <a:ext cx="780290" cy="780290"/>
+          </a:xfrm>
+          <a:prstGeom prst="rect">
+            <a:avLst/>
+          </a:prstGeom>
+        </p:spPr>
+      </p:pic>
+      <p:pic>
+        <p:nvPicPr>
+          <p:cNvPr id="10" name="Picture 9">
+            <a:extLst>
+              <a:ext uri="{FF2B5EF4-FFF2-40B4-BE49-F238E27FC236}">
+                <a16:creationId xmlns:a16="http://schemas.microsoft.com/office/drawing/2014/main" id="{83A80991-AF9B-46A2-BBE0-31C36190FC56}"/>
+              </a:ext>
+            </a:extLst>
+          </p:cNvPr>
+          <p:cNvPicPr>
+            <a:picLocks noChangeAspect="1"/>
+          </p:cNvPicPr>
+          <p:nvPr/>
+        </p:nvPicPr>
+        <p:blipFill>
+          <a:blip r:embed="rId4" cstate="print">
+            <a:extLst>
+              <a:ext uri="{28A0092B-C50C-407E-A947-70E740481C1C}">
+                <a14:useLocalDpi xmlns:a14="http://schemas.microsoft.com/office/drawing/2010/main" val="0"/>
+              </a:ext>
+            </a:extLst>
+          </a:blip>
+          <a:stretch>
+            <a:fillRect/>
+          </a:stretch>
+        </p:blipFill>
+        <p:spPr>
+          <a:xfrm>
+            <a:off x="7827745" y="3312471"/>
+            <a:ext cx="780290" cy="780290"/>
+          </a:xfrm>
+          <a:prstGeom prst="rect">
+            <a:avLst/>
+          </a:prstGeom>
+        </p:spPr>
+      </p:pic>
+      <p:pic>
+        <p:nvPicPr>
+          <p:cNvPr id="11" name="Picture 10">
+            <a:extLst>
+              <a:ext uri="{FF2B5EF4-FFF2-40B4-BE49-F238E27FC236}">
+                <a16:creationId xmlns:a16="http://schemas.microsoft.com/office/drawing/2014/main" id="{25BE9C56-EB1A-4B82-9E66-0A0BCF8E6F37}"/>
+              </a:ext>
+            </a:extLst>
+          </p:cNvPr>
+          <p:cNvPicPr>
+            <a:picLocks noChangeAspect="1"/>
+          </p:cNvPicPr>
+          <p:nvPr/>
+        </p:nvPicPr>
+        <p:blipFill>
+          <a:blip r:embed="rId3" cstate="print">
+            <a:extLst>
+              <a:ext uri="{28A0092B-C50C-407E-A947-70E740481C1C}">
+                <a14:useLocalDpi xmlns:a14="http://schemas.microsoft.com/office/drawing/2010/main" val="0"/>
+              </a:ext>
+            </a:extLst>
+          </a:blip>
+          <a:stretch>
+            <a:fillRect/>
+          </a:stretch>
+        </p:blipFill>
+        <p:spPr>
+          <a:xfrm>
+            <a:off x="10324316" y="5278679"/>
+            <a:ext cx="780290" cy="780290"/>
+          </a:xfrm>
+          <a:prstGeom prst="rect">
+            <a:avLst/>
+          </a:prstGeom>
+        </p:spPr>
+      </p:pic>
+      <p:pic>
+        <p:nvPicPr>
+          <p:cNvPr id="15" name="Picture 14">
+            <a:extLst>
+              <a:ext uri="{FF2B5EF4-FFF2-40B4-BE49-F238E27FC236}">
+                <a16:creationId xmlns:a16="http://schemas.microsoft.com/office/drawing/2014/main" id="{A6BC8272-8F84-479B-9F89-F60726EE95F5}"/>
+              </a:ext>
+            </a:extLst>
+          </p:cNvPr>
+          <p:cNvPicPr>
+            <a:picLocks noChangeAspect="1"/>
+          </p:cNvPicPr>
+          <p:nvPr/>
+        </p:nvPicPr>
+        <p:blipFill>
+          <a:blip r:embed="rId5" cstate="print">
+            <a:extLst>
+              <a:ext uri="{28A0092B-C50C-407E-A947-70E740481C1C}">
+                <a14:useLocalDpi xmlns:a14="http://schemas.microsoft.com/office/drawing/2010/main" val="0"/>
+              </a:ext>
+            </a:extLst>
+          </a:blip>
+          <a:stretch>
+            <a:fillRect/>
+          </a:stretch>
+        </p:blipFill>
+        <p:spPr>
+          <a:xfrm>
+            <a:off x="7921426" y="5174974"/>
+            <a:ext cx="780290" cy="780290"/>
+          </a:xfrm>
+          <a:prstGeom prst="rect">
+            <a:avLst/>
+          </a:prstGeom>
+        </p:spPr>
+      </p:pic>
+      <p:pic>
+        <p:nvPicPr>
+          <p:cNvPr id="16" name="Picture 15">
+            <a:extLst>
+              <a:ext uri="{FF2B5EF4-FFF2-40B4-BE49-F238E27FC236}">
+                <a16:creationId xmlns:a16="http://schemas.microsoft.com/office/drawing/2014/main" id="{3A3B5A48-C072-40F7-9442-B91E0027CDF1}"/>
+              </a:ext>
+            </a:extLst>
+          </p:cNvPr>
+          <p:cNvPicPr>
+            <a:picLocks noChangeAspect="1"/>
+          </p:cNvPicPr>
+          <p:nvPr/>
+        </p:nvPicPr>
+        <p:blipFill>
+          <a:blip r:embed="rId4" cstate="print">
+            <a:extLst>
+              <a:ext uri="{28A0092B-C50C-407E-A947-70E740481C1C}">
+                <a14:useLocalDpi xmlns:a14="http://schemas.microsoft.com/office/drawing/2010/main" val="0"/>
+              </a:ext>
+            </a:extLst>
+          </a:blip>
+          <a:stretch>
+            <a:fillRect/>
+          </a:stretch>
+        </p:blipFill>
+        <p:spPr>
+          <a:xfrm>
+            <a:off x="7805063" y="1600930"/>
+            <a:ext cx="780290" cy="780290"/>
+          </a:xfrm>
+          <a:prstGeom prst="rect">
+            <a:avLst/>
+          </a:prstGeom>
+        </p:spPr>
+      </p:pic>
+      <p:pic>
+        <p:nvPicPr>
+          <p:cNvPr id="17" name="Picture 16">
+            <a:extLst>
+              <a:ext uri="{FF2B5EF4-FFF2-40B4-BE49-F238E27FC236}">
+                <a16:creationId xmlns:a16="http://schemas.microsoft.com/office/drawing/2014/main" id="{50FFB6F4-F8B1-4675-AEE2-99A0B1B212BB}"/>
+              </a:ext>
+            </a:extLst>
+          </p:cNvPr>
+          <p:cNvPicPr>
+            <a:picLocks noChangeAspect="1"/>
+          </p:cNvPicPr>
+          <p:nvPr/>
+        </p:nvPicPr>
+        <p:blipFill>
+          <a:blip r:embed="rId3" cstate="print">
+            <a:extLst>
+              <a:ext uri="{28A0092B-C50C-407E-A947-70E740481C1C}">
+                <a14:useLocalDpi xmlns:a14="http://schemas.microsoft.com/office/drawing/2010/main" val="0"/>
+              </a:ext>
+            </a:extLst>
+          </a:blip>
+          <a:stretch>
+            <a:fillRect/>
+          </a:stretch>
+        </p:blipFill>
+        <p:spPr>
+          <a:xfrm>
+            <a:off x="10318526" y="1671831"/>
+            <a:ext cx="780290" cy="780290"/>
+          </a:xfrm>
+          <a:prstGeom prst="rect">
+            <a:avLst/>
+          </a:prstGeom>
+        </p:spPr>
+      </p:pic>
+      <p:sp>
+        <p:nvSpPr>
+          <p:cNvPr id="19" name="Arrow: Right 18">
+            <a:extLst>
+              <a:ext uri="{FF2B5EF4-FFF2-40B4-BE49-F238E27FC236}">
+                <a16:creationId xmlns:a16="http://schemas.microsoft.com/office/drawing/2014/main" id="{3DF567BE-E8BC-44F1-8EE4-B0B563C65D60}"/>
+              </a:ext>
+            </a:extLst>
+          </p:cNvPr>
+          <p:cNvSpPr/>
+          <p:nvPr/>
+        </p:nvSpPr>
+        <p:spPr bwMode="auto">
+          <a:xfrm>
+            <a:off x="8585353" y="1860678"/>
+            <a:ext cx="1702987" cy="259749"/>
+          </a:xfrm>
+          <a:prstGeom prst="rightArrow">
+            <a:avLst>
+              <a:gd name="adj1" fmla="val 43294"/>
+              <a:gd name="adj2" fmla="val 73469"/>
+            </a:avLst>
+          </a:prstGeom>
+          <a:solidFill>
+            <a:schemeClr val="accent4"/>
+          </a:solidFill>
+          <a:ln>
+            <a:noFill/>
+            <a:headEnd type="none" w="med" len="med"/>
+            <a:tailEnd type="none" w="med" len="med"/>
+          </a:ln>
+          <a:effectLst/>
+        </p:spPr>
+        <p:style>
+          <a:lnRef idx="1">
+            <a:schemeClr val="accent2"/>
+          </a:lnRef>
+          <a:fillRef idx="3">
+            <a:schemeClr val="accent2"/>
+          </a:fillRef>
+          <a:effectRef idx="2">
+            <a:schemeClr val="accent2"/>
+          </a:effectRef>
+          <a:fontRef idx="minor">
+            <a:schemeClr val="lt1"/>
+          </a:fontRef>
+        </p:style>
+        <p:txBody>
+          <a:bodyPr rot="0" spcFirstLastPara="0" vertOverflow="overflow" horzOverflow="overflow" vert="horz" wrap="square" lIns="182880" tIns="146304" rIns="182880" bIns="146304" numCol="1" spcCol="0" rtlCol="0" fromWordArt="0" anchor="t" anchorCtr="0" forceAA="0" compatLnSpc="1">
+            <a:prstTxWarp prst="textNoShape">
+              <a:avLst/>
+            </a:prstTxWarp>
+            <a:noAutofit/>
+          </a:bodyPr>
+          <a:lstStyle/>
+          <a:p>
+            <a:pPr algn="ctr" defTabSz="932472" fontAlgn="base">
+              <a:lnSpc>
+                <a:spcPct val="90000"/>
+              </a:lnSpc>
+              <a:spcBef>
+                <a:spcPct val="0"/>
+              </a:spcBef>
+              <a:spcAft>
+                <a:spcPct val="0"/>
+              </a:spcAft>
+            </a:pPr>
+            <a:endParaRPr lang="en-IE" sz="2400" dirty="0" err="1">
+              <a:gradFill>
+                <a:gsLst>
+                  <a:gs pos="0">
+                    <a:srgbClr val="FFFFFF"/>
+                  </a:gs>
+                  <a:gs pos="100000">
+                    <a:srgbClr val="FFFFFF"/>
+                  </a:gs>
+                </a:gsLst>
+                <a:lin ang="5400000" scaled="0"/>
+              </a:gradFill>
+              <a:ea typeface="Segoe UI" pitchFamily="34" charset="0"/>
+              <a:cs typeface="Segoe UI" pitchFamily="34" charset="0"/>
+            </a:endParaRPr>
+          </a:p>
+        </p:txBody>
+      </p:sp>
+      <p:sp>
+        <p:nvSpPr>
+          <p:cNvPr id="20" name="Rectangle 19">
+            <a:extLst>
+              <a:ext uri="{FF2B5EF4-FFF2-40B4-BE49-F238E27FC236}">
+                <a16:creationId xmlns:a16="http://schemas.microsoft.com/office/drawing/2014/main" id="{E4487B0C-8782-4B36-93E9-D78D3C0710E4}"/>
+              </a:ext>
+            </a:extLst>
+          </p:cNvPr>
+          <p:cNvSpPr/>
+          <p:nvPr/>
+        </p:nvSpPr>
+        <p:spPr bwMode="auto">
+          <a:xfrm>
+            <a:off x="9054595" y="1810236"/>
+            <a:ext cx="780290" cy="404290"/>
+          </a:xfrm>
+          <a:prstGeom prst="rect">
+            <a:avLst/>
+          </a:prstGeom>
+          <a:solidFill>
+            <a:schemeClr val="tx1"/>
+          </a:solidFill>
+          <a:ln>
+            <a:noFill/>
+            <a:headEnd type="none" w="med" len="med"/>
+            <a:tailEnd type="none" w="med" len="med"/>
+          </a:ln>
+          <a:effectLst/>
+        </p:spPr>
+        <p:style>
+          <a:lnRef idx="1">
+            <a:schemeClr val="accent2"/>
+          </a:lnRef>
+          <a:fillRef idx="3">
+            <a:schemeClr val="accent2"/>
+          </a:fillRef>
+          <a:effectRef idx="2">
+            <a:schemeClr val="accent2"/>
+          </a:effectRef>
+          <a:fontRef idx="minor">
+            <a:schemeClr val="lt1"/>
+          </a:fontRef>
+        </p:style>
+        <p:txBody>
+          <a:bodyPr rot="0" spcFirstLastPara="0" vertOverflow="overflow" horzOverflow="overflow" vert="horz" wrap="square" lIns="182880" tIns="146304" rIns="182880" bIns="146304" numCol="1" spcCol="0" rtlCol="0" fromWordArt="0" anchor="t" anchorCtr="0" forceAA="0" compatLnSpc="1">
+            <a:prstTxWarp prst="textNoShape">
+              <a:avLst/>
+            </a:prstTxWarp>
+            <a:noAutofit/>
+          </a:bodyPr>
+          <a:lstStyle/>
+          <a:p>
+            <a:pPr algn="ctr" defTabSz="932472" fontAlgn="base">
+              <a:lnSpc>
+                <a:spcPct val="90000"/>
+              </a:lnSpc>
+              <a:spcBef>
+                <a:spcPct val="0"/>
+              </a:spcBef>
+              <a:spcAft>
+                <a:spcPct val="0"/>
+              </a:spcAft>
+            </a:pPr>
+            <a:endParaRPr lang="en-IE" sz="2400" dirty="0" err="1">
+              <a:gradFill>
+                <a:gsLst>
+                  <a:gs pos="0">
+                    <a:srgbClr val="FFFFFF"/>
+                  </a:gs>
+                  <a:gs pos="100000">
+                    <a:srgbClr val="FFFFFF"/>
+                  </a:gs>
+                </a:gsLst>
+                <a:lin ang="5400000" scaled="0"/>
+              </a:gradFill>
+              <a:ea typeface="Segoe UI" pitchFamily="34" charset="0"/>
+              <a:cs typeface="Segoe UI" pitchFamily="34" charset="0"/>
+            </a:endParaRPr>
+          </a:p>
+        </p:txBody>
+      </p:sp>
+      <p:pic>
+        <p:nvPicPr>
+          <p:cNvPr id="7" name="Picture 6">
+            <a:extLst>
+              <a:ext uri="{FF2B5EF4-FFF2-40B4-BE49-F238E27FC236}">
+                <a16:creationId xmlns:a16="http://schemas.microsoft.com/office/drawing/2014/main" id="{B7F3D025-C9B1-4E62-AA03-50F185F0CE35}"/>
+              </a:ext>
+            </a:extLst>
+          </p:cNvPr>
+          <p:cNvPicPr>
+            <a:picLocks noChangeAspect="1"/>
+          </p:cNvPicPr>
+          <p:nvPr/>
+        </p:nvPicPr>
+        <p:blipFill>
+          <a:blip r:embed="rId6" cstate="print">
+            <a:extLst>
+              <a:ext uri="{28A0092B-C50C-407E-A947-70E740481C1C}">
+                <a14:useLocalDpi xmlns:a14="http://schemas.microsoft.com/office/drawing/2010/main" val="0"/>
+              </a:ext>
+            </a:extLst>
+          </a:blip>
+          <a:stretch>
+            <a:fillRect/>
+          </a:stretch>
+        </p:blipFill>
+        <p:spPr>
+          <a:xfrm>
+            <a:off x="9046701" y="1600930"/>
+            <a:ext cx="780290" cy="780290"/>
+          </a:xfrm>
+          <a:prstGeom prst="rect">
+            <a:avLst/>
+          </a:prstGeom>
+        </p:spPr>
+      </p:pic>
+      <p:sp>
+        <p:nvSpPr>
+          <p:cNvPr id="21" name="Arrow: Right 20">
+            <a:extLst>
+              <a:ext uri="{FF2B5EF4-FFF2-40B4-BE49-F238E27FC236}">
+                <a16:creationId xmlns:a16="http://schemas.microsoft.com/office/drawing/2014/main" id="{E4B94659-E21B-4FE1-9777-93A70DA52169}"/>
+              </a:ext>
+            </a:extLst>
+          </p:cNvPr>
+          <p:cNvSpPr/>
+          <p:nvPr/>
+        </p:nvSpPr>
+        <p:spPr bwMode="auto">
+          <a:xfrm>
+            <a:off x="8559429" y="3517826"/>
+            <a:ext cx="1702987" cy="259749"/>
+          </a:xfrm>
+          <a:prstGeom prst="rightArrow">
+            <a:avLst>
+              <a:gd name="adj1" fmla="val 43294"/>
+              <a:gd name="adj2" fmla="val 73469"/>
+            </a:avLst>
+          </a:prstGeom>
+          <a:solidFill>
+            <a:schemeClr val="accent4"/>
+          </a:solidFill>
+          <a:ln>
+            <a:noFill/>
+            <a:headEnd type="none" w="med" len="med"/>
+            <a:tailEnd type="none" w="med" len="med"/>
+          </a:ln>
+          <a:effectLst/>
+        </p:spPr>
+        <p:style>
+          <a:lnRef idx="1">
+            <a:schemeClr val="accent2"/>
+          </a:lnRef>
+          <a:fillRef idx="3">
+            <a:schemeClr val="accent2"/>
+          </a:fillRef>
+          <a:effectRef idx="2">
+            <a:schemeClr val="accent2"/>
+          </a:effectRef>
+          <a:fontRef idx="minor">
+            <a:schemeClr val="lt1"/>
+          </a:fontRef>
+        </p:style>
+        <p:txBody>
+          <a:bodyPr rot="0" spcFirstLastPara="0" vertOverflow="overflow" horzOverflow="overflow" vert="horz" wrap="square" lIns="182880" tIns="146304" rIns="182880" bIns="146304" numCol="1" spcCol="0" rtlCol="0" fromWordArt="0" anchor="t" anchorCtr="0" forceAA="0" compatLnSpc="1">
+            <a:prstTxWarp prst="textNoShape">
+              <a:avLst/>
+            </a:prstTxWarp>
+            <a:noAutofit/>
+          </a:bodyPr>
+          <a:lstStyle/>
+          <a:p>
+            <a:pPr algn="ctr" defTabSz="932472" fontAlgn="base">
+              <a:lnSpc>
+                <a:spcPct val="90000"/>
+              </a:lnSpc>
+              <a:spcBef>
+                <a:spcPct val="0"/>
+              </a:spcBef>
+              <a:spcAft>
+                <a:spcPct val="0"/>
+              </a:spcAft>
+            </a:pPr>
+            <a:endParaRPr lang="en-IE" sz="2400" dirty="0" err="1">
+              <a:gradFill>
+                <a:gsLst>
+                  <a:gs pos="0">
+                    <a:srgbClr val="FFFFFF"/>
+                  </a:gs>
+                  <a:gs pos="100000">
+                    <a:srgbClr val="FFFFFF"/>
+                  </a:gs>
+                </a:gsLst>
+                <a:lin ang="5400000" scaled="0"/>
+              </a:gradFill>
+              <a:ea typeface="Segoe UI" pitchFamily="34" charset="0"/>
+              <a:cs typeface="Segoe UI" pitchFamily="34" charset="0"/>
+            </a:endParaRPr>
+          </a:p>
+        </p:txBody>
+      </p:sp>
+      <p:sp>
+        <p:nvSpPr>
+          <p:cNvPr id="22" name="TextBox 21">
+            <a:extLst>
+              <a:ext uri="{FF2B5EF4-FFF2-40B4-BE49-F238E27FC236}">
+                <a16:creationId xmlns:a16="http://schemas.microsoft.com/office/drawing/2014/main" id="{E8D04AEB-0C21-4696-93C8-991535E947C5}"/>
+              </a:ext>
+            </a:extLst>
+          </p:cNvPr>
+          <p:cNvSpPr txBox="1"/>
+          <p:nvPr/>
+        </p:nvSpPr>
+        <p:spPr>
+          <a:xfrm>
+            <a:off x="9117988" y="3383582"/>
+            <a:ext cx="589541" cy="572464"/>
+          </a:xfrm>
+          <a:prstGeom prst="rect">
+            <a:avLst/>
+          </a:prstGeom>
+          <a:solidFill>
+            <a:schemeClr val="tx1"/>
+          </a:solidFill>
+        </p:spPr>
+        <p:txBody>
+          <a:bodyPr wrap="square" lIns="0" tIns="146304" rIns="0" bIns="146304" rtlCol="0">
+            <a:spAutoFit/>
+          </a:bodyPr>
+          <a:lstStyle/>
+          <a:p>
+            <a:pPr algn="ctr">
+              <a:lnSpc>
+                <a:spcPct val="90000"/>
+              </a:lnSpc>
+              <a:spcAft>
+                <a:spcPts val="600"/>
+              </a:spcAft>
+            </a:pPr>
+            <a:r>
+              <a:rPr lang="en-IE" sz="2000" b="1" dirty="0">
+                <a:solidFill>
+                  <a:schemeClr val="bg1"/>
+                </a:solidFill>
+                <a:latin typeface="Segoe UI" panose="020B0502040204020203" pitchFamily="34" charset="0"/>
+                <a:cs typeface="Segoe UI" panose="020B0502040204020203" pitchFamily="34" charset="0"/>
+              </a:rPr>
+              <a:t>V2V</a:t>
+            </a:r>
+          </a:p>
+        </p:txBody>
+      </p:sp>
+      <p:sp>
+        <p:nvSpPr>
+          <p:cNvPr id="23" name="Arrow: Right 22">
+            <a:extLst>
+              <a:ext uri="{FF2B5EF4-FFF2-40B4-BE49-F238E27FC236}">
+                <a16:creationId xmlns:a16="http://schemas.microsoft.com/office/drawing/2014/main" id="{20EC32BB-0E1E-4874-9B5D-399D8291169C}"/>
+              </a:ext>
+            </a:extLst>
+          </p:cNvPr>
+          <p:cNvSpPr/>
+          <p:nvPr/>
+        </p:nvSpPr>
+        <p:spPr bwMode="auto">
+          <a:xfrm>
+            <a:off x="8813074" y="5484957"/>
+            <a:ext cx="1449341" cy="259749"/>
+          </a:xfrm>
+          <a:prstGeom prst="rightArrow">
+            <a:avLst>
+              <a:gd name="adj1" fmla="val 43294"/>
+              <a:gd name="adj2" fmla="val 73469"/>
+            </a:avLst>
+          </a:prstGeom>
+          <a:solidFill>
+            <a:schemeClr val="accent4"/>
+          </a:solidFill>
+          <a:ln>
+            <a:noFill/>
+            <a:headEnd type="none" w="med" len="med"/>
+            <a:tailEnd type="none" w="med" len="med"/>
+          </a:ln>
+          <a:effectLst/>
+        </p:spPr>
+        <p:style>
+          <a:lnRef idx="1">
+            <a:schemeClr val="accent2"/>
+          </a:lnRef>
+          <a:fillRef idx="3">
+            <a:schemeClr val="accent2"/>
+          </a:fillRef>
+          <a:effectRef idx="2">
+            <a:schemeClr val="accent2"/>
+          </a:effectRef>
+          <a:fontRef idx="minor">
+            <a:schemeClr val="lt1"/>
+          </a:fontRef>
+        </p:style>
+        <p:txBody>
+          <a:bodyPr rot="0" spcFirstLastPara="0" vertOverflow="overflow" horzOverflow="overflow" vert="horz" wrap="square" lIns="182880" tIns="146304" rIns="182880" bIns="146304" numCol="1" spcCol="0" rtlCol="0" fromWordArt="0" anchor="t" anchorCtr="0" forceAA="0" compatLnSpc="1">
+            <a:prstTxWarp prst="textNoShape">
+              <a:avLst/>
+            </a:prstTxWarp>
+            <a:noAutofit/>
+          </a:bodyPr>
+          <a:lstStyle/>
+          <a:p>
+            <a:pPr algn="ctr" defTabSz="932472" fontAlgn="base">
+              <a:lnSpc>
+                <a:spcPct val="90000"/>
+              </a:lnSpc>
+              <a:spcBef>
+                <a:spcPct val="0"/>
+              </a:spcBef>
+              <a:spcAft>
+                <a:spcPct val="0"/>
+              </a:spcAft>
+            </a:pPr>
+            <a:endParaRPr lang="en-IE" sz="2400" dirty="0" err="1">
+              <a:gradFill>
+                <a:gsLst>
+                  <a:gs pos="0">
+                    <a:srgbClr val="FFFFFF"/>
+                  </a:gs>
+                  <a:gs pos="100000">
+                    <a:srgbClr val="FFFFFF"/>
+                  </a:gs>
+                </a:gsLst>
+                <a:lin ang="5400000" scaled="0"/>
+              </a:gradFill>
+              <a:ea typeface="Segoe UI" pitchFamily="34" charset="0"/>
+              <a:cs typeface="Segoe UI" pitchFamily="34" charset="0"/>
+            </a:endParaRPr>
+          </a:p>
+        </p:txBody>
+      </p:sp>
+      <p:sp>
+        <p:nvSpPr>
+          <p:cNvPr id="24" name="TextBox 23">
+            <a:extLst>
+              <a:ext uri="{FF2B5EF4-FFF2-40B4-BE49-F238E27FC236}">
+                <a16:creationId xmlns:a16="http://schemas.microsoft.com/office/drawing/2014/main" id="{F174E140-5CBE-4832-9943-0075AB3C2150}"/>
+              </a:ext>
+            </a:extLst>
+          </p:cNvPr>
+          <p:cNvSpPr txBox="1"/>
+          <p:nvPr/>
+        </p:nvSpPr>
+        <p:spPr>
+          <a:xfrm>
+            <a:off x="8909241" y="5174974"/>
+            <a:ext cx="1155528" cy="544765"/>
+          </a:xfrm>
+          <a:prstGeom prst="rect">
+            <a:avLst/>
+          </a:prstGeom>
+          <a:noFill/>
+        </p:spPr>
+        <p:txBody>
+          <a:bodyPr wrap="square" lIns="0" tIns="146304" rIns="0" bIns="146304" rtlCol="0">
+            <a:spAutoFit/>
+          </a:bodyPr>
+          <a:lstStyle/>
+          <a:p>
+            <a:pPr algn="ctr">
+              <a:lnSpc>
+                <a:spcPct val="90000"/>
+              </a:lnSpc>
+              <a:spcAft>
+                <a:spcPts val="600"/>
+              </a:spcAft>
+            </a:pPr>
+            <a:r>
+              <a:rPr lang="en-IE" b="1" dirty="0">
+                <a:solidFill>
+                  <a:schemeClr val="bg1"/>
+                </a:solidFill>
+                <a:latin typeface="Segoe UI" panose="020B0502040204020203" pitchFamily="34" charset="0"/>
+                <a:cs typeface="Segoe UI" panose="020B0502040204020203" pitchFamily="34" charset="0"/>
+              </a:rPr>
+              <a:t>Re-install</a:t>
+            </a:r>
+          </a:p>
+        </p:txBody>
+      </p:sp>
+      <p:sp>
+        <p:nvSpPr>
+          <p:cNvPr id="25" name="TextBox 24">
+            <a:extLst>
+              <a:ext uri="{FF2B5EF4-FFF2-40B4-BE49-F238E27FC236}">
+                <a16:creationId xmlns:a16="http://schemas.microsoft.com/office/drawing/2014/main" id="{A64DA759-437D-4043-9E71-D9318E28F052}"/>
+              </a:ext>
+            </a:extLst>
+          </p:cNvPr>
+          <p:cNvSpPr txBox="1"/>
+          <p:nvPr/>
+        </p:nvSpPr>
+        <p:spPr>
+          <a:xfrm>
+            <a:off x="8793852" y="2191538"/>
+            <a:ext cx="1155528" cy="683264"/>
+          </a:xfrm>
+          <a:prstGeom prst="rect">
+            <a:avLst/>
+          </a:prstGeom>
+          <a:noFill/>
+        </p:spPr>
+        <p:txBody>
+          <a:bodyPr wrap="square" lIns="0" tIns="146304" rIns="0" bIns="146304" rtlCol="0">
+            <a:spAutoFit/>
+          </a:bodyPr>
+          <a:lstStyle/>
+          <a:p>
+            <a:pPr algn="ctr">
+              <a:lnSpc>
+                <a:spcPct val="90000"/>
+              </a:lnSpc>
+              <a:spcAft>
+                <a:spcPts val="600"/>
+              </a:spcAft>
+            </a:pPr>
+            <a:r>
+              <a:rPr lang="en-IE" sz="1400" b="1" dirty="0">
+                <a:solidFill>
+                  <a:schemeClr val="bg1"/>
+                </a:solidFill>
+                <a:latin typeface="Segoe UI" panose="020B0502040204020203" pitchFamily="34" charset="0"/>
+                <a:cs typeface="Segoe UI" panose="020B0502040204020203" pitchFamily="34" charset="0"/>
+              </a:rPr>
+              <a:t>Azure Site Recovery</a:t>
+            </a:r>
+          </a:p>
+        </p:txBody>
+      </p:sp>
+    </p:spTree>
+    <p:extLst>
+      <p:ext uri="{BB962C8B-B14F-4D97-AF65-F5344CB8AC3E}">
+        <p14:creationId xmlns:p14="http://schemas.microsoft.com/office/powerpoint/2010/main" val="568998234"/>
+      </p:ext>
+    </p:extLst>
+  </p:cSld>
+  <p:clrMapOvr>
+    <a:masterClrMapping/>
+  </p:clrMapOvr>
+  <mc:AlternateContent xmlns:mc="http://schemas.openxmlformats.org/markup-compatibility/2006" xmlns:p14="http://schemas.microsoft.com/office/powerpoint/2010/main">
+    <mc:Choice Requires="p14">
+      <p:transition p14:dur="0"/>
+    </mc:Choice>
+    <mc:Fallback xmlns="">
+      <p:transition/>
+    </mc:Fallback>
+  </mc:AlternateContent>
+</p:sld>
+</file>
+
+<file path=ppt/slides/slide11.xml><?xml version="1.0" encoding="utf-8"?>
+<p:sld xmlns:a="http://schemas.openxmlformats.org/drawingml/2006/main" xmlns:r="http://schemas.openxmlformats.org/officeDocument/2006/relationships" xmlns:p="http://schemas.openxmlformats.org/presentationml/2006/main">
+  <p:cSld>
+    <p:spTree>
+      <p:nvGrpSpPr>
+        <p:cNvPr id="1" name=""/>
+        <p:cNvGrpSpPr/>
+        <p:nvPr/>
+      </p:nvGrpSpPr>
+      <p:grpSpPr>
+        <a:xfrm>
+          <a:off x="0" y="0"/>
+          <a:ext cx="0" cy="0"/>
+          <a:chOff x="0" y="0"/>
+          <a:chExt cx="0" cy="0"/>
+        </a:xfrm>
+      </p:grpSpPr>
+      <p:sp>
+        <p:nvSpPr>
           <p:cNvPr id="2" name="Title 1"/>
           <p:cNvSpPr>
             <a:spLocks noGrp="1"/>
@@ -11419,7 +12465,7 @@
 </p:sld>
 </file>
 
-<file path=ppt/slides/slide11.xml><?xml version="1.0" encoding="utf-8"?>
+<file path=ppt/slides/slide12.xml><?xml version="1.0" encoding="utf-8"?>
 <p:sld xmlns:a="http://schemas.openxmlformats.org/drawingml/2006/main" xmlns:r="http://schemas.openxmlformats.org/officeDocument/2006/relationships" xmlns:p="http://schemas.openxmlformats.org/presentationml/2006/main">
   <p:cSld>
     <p:spTree>
@@ -23036,7 +24082,7 @@
         </p:nvSpPr>
         <p:spPr bwMode="auto">
           <a:xfrm>
-            <a:off x="7175864" y="1189176"/>
+            <a:off x="4148885" y="1034748"/>
             <a:ext cx="4815778" cy="5533741"/>
           </a:xfrm>
           <a:prstGeom prst="rect">
@@ -23139,39 +24185,6 @@
           </a:p>
         </p:txBody>
       </p:sp>
-      <p:sp>
-        <p:nvSpPr>
-          <p:cNvPr id="3" name="Content Placeholder 2"/>
-          <p:cNvSpPr>
-            <a:spLocks noGrp="1"/>
-          </p:cNvSpPr>
-          <p:nvPr>
-            <p:ph type="body" sz="quarter" idx="10"/>
-          </p:nvPr>
-        </p:nvSpPr>
-        <p:spPr>
-          <a:xfrm>
-            <a:off x="269239" y="1189176"/>
-            <a:ext cx="6994461" cy="5533741"/>
-          </a:xfrm>
-        </p:spPr>
-        <p:txBody>
-          <a:bodyPr>
-            <a:normAutofit/>
-          </a:bodyPr>
-          <a:lstStyle/>
-          <a:p>
-            <a:pPr marL="0" indent="0">
-              <a:buNone/>
-            </a:pPr>
-            <a:endParaRPr lang="en-US" sz="3600" dirty="0">
-              <a:solidFill>
-                <a:schemeClr val="tx1"/>
-              </a:solidFill>
-            </a:endParaRPr>
-          </a:p>
-        </p:txBody>
-      </p:sp>
       <p:grpSp>
         <p:nvGrpSpPr>
           <p:cNvPr id="8" name="Group 7">
@@ -23186,7 +24199,7 @@
         </p:nvGrpSpPr>
         <p:grpSpPr>
           <a:xfrm>
-            <a:off x="8074427" y="3561806"/>
+            <a:off x="5047448" y="3407378"/>
             <a:ext cx="3977684" cy="1294315"/>
             <a:chOff x="8133806" y="2447109"/>
             <a:chExt cx="3977684" cy="1294315"/>
@@ -23343,7 +24356,7 @@
         </p:nvGrpSpPr>
         <p:grpSpPr>
           <a:xfrm>
-            <a:off x="8107707" y="5031536"/>
+            <a:off x="5080728" y="4877108"/>
             <a:ext cx="3977744" cy="1637890"/>
             <a:chOff x="8133806" y="2447109"/>
             <a:chExt cx="3977744" cy="1295532"/>
@@ -23500,7 +24513,7 @@
         </p:nvGrpSpPr>
         <p:grpSpPr>
           <a:xfrm>
-            <a:off x="8074427" y="2092076"/>
+            <a:off x="5047448" y="1937648"/>
             <a:ext cx="4011023" cy="1275927"/>
             <a:chOff x="8133806" y="2447109"/>
             <a:chExt cx="4011023" cy="1275927"/>
@@ -23674,7 +24687,7 @@
         </p:nvGrpSpPr>
         <p:grpSpPr>
           <a:xfrm>
-            <a:off x="8949068" y="2325918"/>
+            <a:off x="5922089" y="2171490"/>
             <a:ext cx="780290" cy="780290"/>
             <a:chOff x="12667208" y="2405066"/>
             <a:chExt cx="780290" cy="780290"/>
@@ -23813,7 +24826,7 @@
         </p:nvGrpSpPr>
         <p:grpSpPr>
           <a:xfrm>
-            <a:off x="9015155" y="5091109"/>
+            <a:off x="5988176" y="4936681"/>
             <a:ext cx="544766" cy="544766"/>
             <a:chOff x="13665489" y="2568119"/>
             <a:chExt cx="780290" cy="780290"/>
@@ -23966,7 +24979,7 @@
         </p:blipFill>
         <p:spPr>
           <a:xfrm>
-            <a:off x="8949068" y="1200884"/>
+            <a:off x="5922089" y="1046456"/>
             <a:ext cx="780290" cy="780290"/>
           </a:xfrm>
           <a:prstGeom prst="rect">
@@ -24002,7 +25015,7 @@
         </p:blipFill>
         <p:spPr>
           <a:xfrm>
-            <a:off x="8561240" y="3941160"/>
+            <a:off x="5534261" y="3786732"/>
             <a:ext cx="651423" cy="651423"/>
           </a:xfrm>
           <a:prstGeom prst="rect">
@@ -24038,7 +25051,7 @@
         </p:blipFill>
         <p:spPr>
           <a:xfrm>
-            <a:off x="9447165" y="3941160"/>
+            <a:off x="6420186" y="3786732"/>
             <a:ext cx="651423" cy="651423"/>
           </a:xfrm>
           <a:prstGeom prst="rect">
@@ -24074,7 +25087,7 @@
         </p:blipFill>
         <p:spPr>
           <a:xfrm>
-            <a:off x="8561241" y="5737398"/>
+            <a:off x="5534262" y="5582970"/>
             <a:ext cx="651423" cy="651423"/>
           </a:xfrm>
           <a:prstGeom prst="rect">
@@ -24110,7 +25123,7 @@
         </p:blipFill>
         <p:spPr>
           <a:xfrm>
-            <a:off x="9447166" y="5737398"/>
+            <a:off x="6420187" y="5582970"/>
             <a:ext cx="651423" cy="651423"/>
           </a:xfrm>
           <a:prstGeom prst="rect">
@@ -24146,7 +25159,7 @@
         </p:blipFill>
         <p:spPr>
           <a:xfrm>
-            <a:off x="8993796" y="6143509"/>
+            <a:off x="5966817" y="5989081"/>
             <a:ext cx="293742" cy="293742"/>
           </a:xfrm>
           <a:prstGeom prst="rect">
@@ -24182,7 +25195,7 @@
         </p:blipFill>
         <p:spPr>
           <a:xfrm>
-            <a:off x="9888610" y="6143509"/>
+            <a:off x="6861631" y="5989081"/>
             <a:ext cx="293742" cy="293742"/>
           </a:xfrm>
           <a:prstGeom prst="rect">
@@ -24204,7 +25217,7 @@
         </p:nvSpPr>
         <p:spPr bwMode="auto">
           <a:xfrm>
-            <a:off x="8402984" y="5676381"/>
+            <a:off x="5376005" y="5521953"/>
             <a:ext cx="3074913" cy="842181"/>
           </a:xfrm>
           <a:prstGeom prst="roundRect">
@@ -24303,7 +25316,7 @@
         </p:nvSpPr>
         <p:spPr bwMode="auto">
           <a:xfrm>
-            <a:off x="8394275" y="3843218"/>
+            <a:off x="5367296" y="3688790"/>
             <a:ext cx="3074913" cy="842181"/>
           </a:xfrm>
           <a:prstGeom prst="roundRect">
@@ -24406,7 +25419,7 @@
         </p:nvCxnSpPr>
         <p:spPr>
           <a:xfrm flipH="1">
-            <a:off x="8886952" y="3106208"/>
+            <a:off x="5859973" y="2951780"/>
             <a:ext cx="452261" cy="834952"/>
           </a:xfrm>
           <a:prstGeom prst="straightConnector1">
@@ -24456,7 +25469,7 @@
         </p:nvCxnSpPr>
         <p:spPr>
           <a:xfrm>
-            <a:off x="9339213" y="3106208"/>
+            <a:off x="6312234" y="2951780"/>
             <a:ext cx="433664" cy="834952"/>
           </a:xfrm>
           <a:prstGeom prst="straightConnector1">
@@ -24505,7 +25518,7 @@
         </p:nvCxnSpPr>
         <p:spPr>
           <a:xfrm flipH="1">
-            <a:off x="9364770" y="4592583"/>
+            <a:off x="6337791" y="4438155"/>
             <a:ext cx="408107" cy="414168"/>
           </a:xfrm>
           <a:prstGeom prst="straightConnector1">
@@ -24554,7 +25567,7 @@
         </p:nvCxnSpPr>
         <p:spPr>
           <a:xfrm>
-            <a:off x="8886952" y="4592583"/>
+            <a:off x="5859973" y="4438155"/>
             <a:ext cx="356880" cy="406111"/>
           </a:xfrm>
           <a:prstGeom prst="straightConnector1">
@@ -24604,7 +25617,7 @@
         </p:nvCxnSpPr>
         <p:spPr>
           <a:xfrm>
-            <a:off x="9287538" y="5635875"/>
+            <a:off x="6260559" y="5481447"/>
             <a:ext cx="485340" cy="101523"/>
           </a:xfrm>
           <a:prstGeom prst="straightConnector1">
@@ -24654,7 +25667,7 @@
         </p:nvCxnSpPr>
         <p:spPr>
           <a:xfrm flipH="1">
-            <a:off x="8886953" y="5635875"/>
+            <a:off x="5859974" y="5481447"/>
             <a:ext cx="400585" cy="101523"/>
           </a:xfrm>
           <a:prstGeom prst="straightConnector1">
@@ -24700,7 +25713,7 @@
         </p:nvSpPr>
         <p:spPr>
           <a:xfrm>
-            <a:off x="9839424" y="2276510"/>
+            <a:off x="6812445" y="2122082"/>
             <a:ext cx="1662956" cy="877163"/>
           </a:xfrm>
           <a:prstGeom prst="rect">
@@ -24797,7 +25810,7 @@
         </p:nvSpPr>
         <p:spPr>
           <a:xfrm>
-            <a:off x="9684582" y="5058772"/>
+            <a:off x="6657603" y="4904344"/>
             <a:ext cx="1972640" cy="627864"/>
           </a:xfrm>
           <a:prstGeom prst="rect">
@@ -24865,7 +25878,7 @@
         </p:nvSpPr>
         <p:spPr>
           <a:xfrm>
-            <a:off x="9888610" y="1390520"/>
+            <a:off x="6861631" y="1236092"/>
             <a:ext cx="1499962" cy="489365"/>
           </a:xfrm>
           <a:prstGeom prst="rect">
@@ -24924,7 +25937,7 @@
         </p:nvCxnSpPr>
         <p:spPr>
           <a:xfrm>
-            <a:off x="9339213" y="1863634"/>
+            <a:off x="6312234" y="1709206"/>
             <a:ext cx="0" cy="462284"/>
           </a:xfrm>
           <a:prstGeom prst="straightConnector1">
@@ -24984,7 +25997,7 @@
         </p:blipFill>
         <p:spPr>
           <a:xfrm>
-            <a:off x="7414034" y="5798511"/>
+            <a:off x="4387055" y="5644083"/>
             <a:ext cx="617657" cy="617657"/>
           </a:xfrm>
           <a:prstGeom prst="rect">
@@ -25009,7 +26022,7 @@
         </p:nvCxnSpPr>
         <p:spPr>
           <a:xfrm flipH="1">
-            <a:off x="8031691" y="6107340"/>
+            <a:off x="5004712" y="5952912"/>
             <a:ext cx="454676" cy="0"/>
           </a:xfrm>
           <a:prstGeom prst="straightConnector1">
@@ -25055,7 +26068,7 @@
         </p:nvSpPr>
         <p:spPr>
           <a:xfrm>
-            <a:off x="7122977" y="4813416"/>
+            <a:off x="4095998" y="4658988"/>
             <a:ext cx="1050608" cy="1148007"/>
           </a:xfrm>
           <a:prstGeom prst="rect">
@@ -25188,10 +26201,10 @@
       </p:grpSpPr>
       <p:sp>
         <p:nvSpPr>
-          <p:cNvPr id="18" name="Rectangle 17">
+          <p:cNvPr id="6" name="Rectangle 5">
             <a:extLst>
               <a:ext uri="{FF2B5EF4-FFF2-40B4-BE49-F238E27FC236}">
-                <a16:creationId xmlns:a16="http://schemas.microsoft.com/office/drawing/2014/main" id="{96585849-D0C8-42EC-BE0E-2C95A4BDBFE6}"/>
+                <a16:creationId xmlns:a16="http://schemas.microsoft.com/office/drawing/2014/main" id="{B1B1494D-5E9B-46E4-B8BD-B85C7B26CDE5}"/>
               </a:ext>
             </a:extLst>
           </p:cNvPr>
@@ -25200,8 +26213,8 @@
         </p:nvSpPr>
         <p:spPr bwMode="auto">
           <a:xfrm>
-            <a:off x="7079116" y="1189176"/>
-            <a:ext cx="4815778" cy="5379313"/>
+            <a:off x="6707087" y="992300"/>
+            <a:ext cx="4424740" cy="5865700"/>
           </a:xfrm>
           <a:prstGeom prst="rect">
             <a:avLst/>
@@ -25270,13 +26283,7 @@
       </p:sp>
       <p:sp>
         <p:nvSpPr>
-          <p:cNvPr id="3" name="Title 2">
-            <a:extLst>
-              <a:ext uri="{FF2B5EF4-FFF2-40B4-BE49-F238E27FC236}">
-                <a16:creationId xmlns:a16="http://schemas.microsoft.com/office/drawing/2014/main" id="{66A68177-90F0-4F53-B613-75902B630F9E}"/>
-              </a:ext>
-            </a:extLst>
-          </p:cNvPr>
+          <p:cNvPr id="2" name="Title 1"/>
           <p:cNvSpPr>
             <a:spLocks noGrp="1"/>
           </p:cNvSpPr>
@@ -25284,9 +26291,16 @@
             <p:ph type="title"/>
           </p:nvPr>
         </p:nvSpPr>
-        <p:spPr/>
+        <p:spPr>
+          <a:xfrm>
+            <a:off x="269240" y="289511"/>
+            <a:ext cx="9307362" cy="899665"/>
+          </a:xfrm>
+        </p:spPr>
         <p:txBody>
-          <a:bodyPr/>
+          <a:bodyPr>
+            <a:noAutofit/>
+          </a:bodyPr>
           <a:lstStyle/>
           <a:p>
             <a:r>
@@ -25295,269 +26309,23 @@
                   <a:schemeClr val="tx1"/>
                 </a:solidFill>
               </a:rPr>
-              <a:t>Procurement – web tier migration options</a:t>
+              <a:t>Procurement - preferred solution</a:t>
             </a:r>
-            <a:endParaRPr lang="en-US" sz="4400" dirty="0"/>
+            <a:endParaRPr lang="en-US" sz="4400" dirty="0">
+              <a:solidFill>
+                <a:schemeClr val="tx1"/>
+              </a:solidFill>
+              <a:latin typeface="Segoe UI" panose="020B0502040204020203" pitchFamily="34" charset="0"/>
+            </a:endParaRPr>
           </a:p>
         </p:txBody>
       </p:sp>
       <p:sp>
         <p:nvSpPr>
-          <p:cNvPr id="2" name="Text Placeholder 1">
+          <p:cNvPr id="5" name="Rectangle: Rounded Corners 4">
             <a:extLst>
               <a:ext uri="{FF2B5EF4-FFF2-40B4-BE49-F238E27FC236}">
-                <a16:creationId xmlns:a16="http://schemas.microsoft.com/office/drawing/2014/main" id="{A0080AB5-C747-4D3D-AAAB-313926CDAC4D}"/>
-              </a:ext>
-            </a:extLst>
-          </p:cNvPr>
-          <p:cNvSpPr>
-            <a:spLocks noGrp="1"/>
-          </p:cNvSpPr>
-          <p:nvPr>
-            <p:ph type="body" sz="quarter" idx="10"/>
-          </p:nvPr>
-        </p:nvSpPr>
-        <p:spPr>
-          <a:xfrm>
-            <a:off x="319568" y="1471709"/>
-            <a:ext cx="6422506" cy="517065"/>
-          </a:xfrm>
-        </p:spPr>
-        <p:txBody>
-          <a:bodyPr/>
-          <a:lstStyle/>
-          <a:p>
-            <a:pPr marL="0" indent="0">
-              <a:buNone/>
-            </a:pPr>
-            <a:endParaRPr lang="en-US" sz="2400" dirty="0">
-              <a:latin typeface="+mn-lt"/>
-            </a:endParaRPr>
-          </a:p>
-        </p:txBody>
-      </p:sp>
-      <p:pic>
-        <p:nvPicPr>
-          <p:cNvPr id="9" name="Picture 8">
-            <a:extLst>
-              <a:ext uri="{FF2B5EF4-FFF2-40B4-BE49-F238E27FC236}">
-                <a16:creationId xmlns:a16="http://schemas.microsoft.com/office/drawing/2014/main" id="{15650F88-5B76-4E37-BAE4-367D0152F72E}"/>
-              </a:ext>
-            </a:extLst>
-          </p:cNvPr>
-          <p:cNvPicPr>
-            <a:picLocks noChangeAspect="1"/>
-          </p:cNvPicPr>
-          <p:nvPr/>
-        </p:nvPicPr>
-        <p:blipFill>
-          <a:blip r:embed="rId3" cstate="print">
-            <a:extLst>
-              <a:ext uri="{28A0092B-C50C-407E-A947-70E740481C1C}">
-                <a14:useLocalDpi xmlns:a14="http://schemas.microsoft.com/office/drawing/2010/main" val="0"/>
-              </a:ext>
-            </a:extLst>
-          </a:blip>
-          <a:stretch>
-            <a:fillRect/>
-          </a:stretch>
-        </p:blipFill>
-        <p:spPr>
-          <a:xfrm>
-            <a:off x="10318526" y="3312471"/>
-            <a:ext cx="780290" cy="780290"/>
-          </a:xfrm>
-          <a:prstGeom prst="rect">
-            <a:avLst/>
-          </a:prstGeom>
-        </p:spPr>
-      </p:pic>
-      <p:pic>
-        <p:nvPicPr>
-          <p:cNvPr id="10" name="Picture 9">
-            <a:extLst>
-              <a:ext uri="{FF2B5EF4-FFF2-40B4-BE49-F238E27FC236}">
-                <a16:creationId xmlns:a16="http://schemas.microsoft.com/office/drawing/2014/main" id="{83A80991-AF9B-46A2-BBE0-31C36190FC56}"/>
-              </a:ext>
-            </a:extLst>
-          </p:cNvPr>
-          <p:cNvPicPr>
-            <a:picLocks noChangeAspect="1"/>
-          </p:cNvPicPr>
-          <p:nvPr/>
-        </p:nvPicPr>
-        <p:blipFill>
-          <a:blip r:embed="rId4" cstate="print">
-            <a:extLst>
-              <a:ext uri="{28A0092B-C50C-407E-A947-70E740481C1C}">
-                <a14:useLocalDpi xmlns:a14="http://schemas.microsoft.com/office/drawing/2010/main" val="0"/>
-              </a:ext>
-            </a:extLst>
-          </a:blip>
-          <a:stretch>
-            <a:fillRect/>
-          </a:stretch>
-        </p:blipFill>
-        <p:spPr>
-          <a:xfrm>
-            <a:off x="7827745" y="3312471"/>
-            <a:ext cx="780290" cy="780290"/>
-          </a:xfrm>
-          <a:prstGeom prst="rect">
-            <a:avLst/>
-          </a:prstGeom>
-        </p:spPr>
-      </p:pic>
-      <p:pic>
-        <p:nvPicPr>
-          <p:cNvPr id="11" name="Picture 10">
-            <a:extLst>
-              <a:ext uri="{FF2B5EF4-FFF2-40B4-BE49-F238E27FC236}">
-                <a16:creationId xmlns:a16="http://schemas.microsoft.com/office/drawing/2014/main" id="{25BE9C56-EB1A-4B82-9E66-0A0BCF8E6F37}"/>
-              </a:ext>
-            </a:extLst>
-          </p:cNvPr>
-          <p:cNvPicPr>
-            <a:picLocks noChangeAspect="1"/>
-          </p:cNvPicPr>
-          <p:nvPr/>
-        </p:nvPicPr>
-        <p:blipFill>
-          <a:blip r:embed="rId3" cstate="print">
-            <a:extLst>
-              <a:ext uri="{28A0092B-C50C-407E-A947-70E740481C1C}">
-                <a14:useLocalDpi xmlns:a14="http://schemas.microsoft.com/office/drawing/2010/main" val="0"/>
-              </a:ext>
-            </a:extLst>
-          </a:blip>
-          <a:stretch>
-            <a:fillRect/>
-          </a:stretch>
-        </p:blipFill>
-        <p:spPr>
-          <a:xfrm>
-            <a:off x="10324316" y="5278679"/>
-            <a:ext cx="780290" cy="780290"/>
-          </a:xfrm>
-          <a:prstGeom prst="rect">
-            <a:avLst/>
-          </a:prstGeom>
-        </p:spPr>
-      </p:pic>
-      <p:pic>
-        <p:nvPicPr>
-          <p:cNvPr id="15" name="Picture 14">
-            <a:extLst>
-              <a:ext uri="{FF2B5EF4-FFF2-40B4-BE49-F238E27FC236}">
-                <a16:creationId xmlns:a16="http://schemas.microsoft.com/office/drawing/2014/main" id="{A6BC8272-8F84-479B-9F89-F60726EE95F5}"/>
-              </a:ext>
-            </a:extLst>
-          </p:cNvPr>
-          <p:cNvPicPr>
-            <a:picLocks noChangeAspect="1"/>
-          </p:cNvPicPr>
-          <p:nvPr/>
-        </p:nvPicPr>
-        <p:blipFill>
-          <a:blip r:embed="rId5" cstate="print">
-            <a:extLst>
-              <a:ext uri="{28A0092B-C50C-407E-A947-70E740481C1C}">
-                <a14:useLocalDpi xmlns:a14="http://schemas.microsoft.com/office/drawing/2010/main" val="0"/>
-              </a:ext>
-            </a:extLst>
-          </a:blip>
-          <a:stretch>
-            <a:fillRect/>
-          </a:stretch>
-        </p:blipFill>
-        <p:spPr>
-          <a:xfrm>
-            <a:off x="7921426" y="5174974"/>
-            <a:ext cx="780290" cy="780290"/>
-          </a:xfrm>
-          <a:prstGeom prst="rect">
-            <a:avLst/>
-          </a:prstGeom>
-        </p:spPr>
-      </p:pic>
-      <p:pic>
-        <p:nvPicPr>
-          <p:cNvPr id="16" name="Picture 15">
-            <a:extLst>
-              <a:ext uri="{FF2B5EF4-FFF2-40B4-BE49-F238E27FC236}">
-                <a16:creationId xmlns:a16="http://schemas.microsoft.com/office/drawing/2014/main" id="{3A3B5A48-C072-40F7-9442-B91E0027CDF1}"/>
-              </a:ext>
-            </a:extLst>
-          </p:cNvPr>
-          <p:cNvPicPr>
-            <a:picLocks noChangeAspect="1"/>
-          </p:cNvPicPr>
-          <p:nvPr/>
-        </p:nvPicPr>
-        <p:blipFill>
-          <a:blip r:embed="rId4" cstate="print">
-            <a:extLst>
-              <a:ext uri="{28A0092B-C50C-407E-A947-70E740481C1C}">
-                <a14:useLocalDpi xmlns:a14="http://schemas.microsoft.com/office/drawing/2010/main" val="0"/>
-              </a:ext>
-            </a:extLst>
-          </a:blip>
-          <a:stretch>
-            <a:fillRect/>
-          </a:stretch>
-        </p:blipFill>
-        <p:spPr>
-          <a:xfrm>
-            <a:off x="7805063" y="1600930"/>
-            <a:ext cx="780290" cy="780290"/>
-          </a:xfrm>
-          <a:prstGeom prst="rect">
-            <a:avLst/>
-          </a:prstGeom>
-        </p:spPr>
-      </p:pic>
-      <p:pic>
-        <p:nvPicPr>
-          <p:cNvPr id="17" name="Picture 16">
-            <a:extLst>
-              <a:ext uri="{FF2B5EF4-FFF2-40B4-BE49-F238E27FC236}">
-                <a16:creationId xmlns:a16="http://schemas.microsoft.com/office/drawing/2014/main" id="{50FFB6F4-F8B1-4675-AEE2-99A0B1B212BB}"/>
-              </a:ext>
-            </a:extLst>
-          </p:cNvPr>
-          <p:cNvPicPr>
-            <a:picLocks noChangeAspect="1"/>
-          </p:cNvPicPr>
-          <p:nvPr/>
-        </p:nvPicPr>
-        <p:blipFill>
-          <a:blip r:embed="rId3" cstate="print">
-            <a:extLst>
-              <a:ext uri="{28A0092B-C50C-407E-A947-70E740481C1C}">
-                <a14:useLocalDpi xmlns:a14="http://schemas.microsoft.com/office/drawing/2010/main" val="0"/>
-              </a:ext>
-            </a:extLst>
-          </a:blip>
-          <a:stretch>
-            <a:fillRect/>
-          </a:stretch>
-        </p:blipFill>
-        <p:spPr>
-          <a:xfrm>
-            <a:off x="10318526" y="1671831"/>
-            <a:ext cx="780290" cy="780290"/>
-          </a:xfrm>
-          <a:prstGeom prst="rect">
-            <a:avLst/>
-          </a:prstGeom>
-        </p:spPr>
-      </p:pic>
-      <p:sp>
-        <p:nvSpPr>
-          <p:cNvPr id="19" name="Arrow: Right 18">
-            <a:extLst>
-              <a:ext uri="{FF2B5EF4-FFF2-40B4-BE49-F238E27FC236}">
-                <a16:creationId xmlns:a16="http://schemas.microsoft.com/office/drawing/2014/main" id="{3DF567BE-E8BC-44F1-8EE4-B0B563C65D60}"/>
+                <a16:creationId xmlns:a16="http://schemas.microsoft.com/office/drawing/2014/main" id="{F67F1C17-AB77-4921-B321-06A11F4D3911}"/>
               </a:ext>
             </a:extLst>
           </p:cNvPr>
@@ -25566,20 +26334,22 @@
         </p:nvSpPr>
         <p:spPr bwMode="auto">
           <a:xfrm>
-            <a:off x="8585353" y="1860678"/>
-            <a:ext cx="1702987" cy="259749"/>
+            <a:off x="7071965" y="3517737"/>
+            <a:ext cx="2673022" cy="1275927"/>
           </a:xfrm>
-          <a:prstGeom prst="rightArrow">
-            <a:avLst>
-              <a:gd name="adj1" fmla="val 43294"/>
-              <a:gd name="adj2" fmla="val 73469"/>
-            </a:avLst>
+          <a:prstGeom prst="roundRect">
+            <a:avLst/>
           </a:prstGeom>
           <a:solidFill>
-            <a:schemeClr val="accent4"/>
+            <a:schemeClr val="accent3"/>
           </a:solidFill>
-          <a:ln>
-            <a:noFill/>
+          <a:ln w="19050">
+            <a:solidFill>
+              <a:schemeClr val="bg2">
+                <a:lumMod val="75000"/>
+              </a:schemeClr>
+            </a:solidFill>
+            <a:prstDash val="dash"/>
             <a:headEnd type="none" w="med" len="med"/>
             <a:tailEnd type="none" w="med" len="med"/>
           </a:ln>
@@ -25639,10 +26409,59 @@
       </p:sp>
       <p:sp>
         <p:nvSpPr>
-          <p:cNvPr id="20" name="Rectangle 19">
+          <p:cNvPr id="7" name="TextBox 6">
             <a:extLst>
               <a:ext uri="{FF2B5EF4-FFF2-40B4-BE49-F238E27FC236}">
-                <a16:creationId xmlns:a16="http://schemas.microsoft.com/office/drawing/2014/main" id="{E4487B0C-8782-4B36-93E9-D78D3C0710E4}"/>
+                <a16:creationId xmlns:a16="http://schemas.microsoft.com/office/drawing/2014/main" id="{89433D38-A834-47C2-9E61-C9B375689CEA}"/>
+              </a:ext>
+            </a:extLst>
+          </p:cNvPr>
+          <p:cNvSpPr txBox="1"/>
+          <p:nvPr/>
+        </p:nvSpPr>
+        <p:spPr>
+          <a:xfrm rot="16200000">
+            <a:off x="6310046" y="3876959"/>
+            <a:ext cx="1275927" cy="520176"/>
+          </a:xfrm>
+          <a:prstGeom prst="rect">
+            <a:avLst/>
+          </a:prstGeom>
+          <a:noFill/>
+        </p:spPr>
+        <p:txBody>
+          <a:bodyPr wrap="none" lIns="182880" tIns="146304" rIns="182880" bIns="146304" rtlCol="0">
+            <a:spAutoFit/>
+          </a:bodyPr>
+          <a:lstStyle/>
+          <a:p>
+            <a:pPr>
+              <a:lnSpc>
+                <a:spcPct val="90000"/>
+              </a:lnSpc>
+              <a:spcAft>
+                <a:spcPts val="600"/>
+              </a:spcAft>
+            </a:pPr>
+            <a:r>
+              <a:rPr lang="en-IE" dirty="0">
+                <a:solidFill>
+                  <a:schemeClr val="bg1"/>
+                </a:solidFill>
+                <a:latin typeface="Segoe UI" panose="020B0502040204020203" pitchFamily="34" charset="0"/>
+                <a:cs typeface="Segoe UI" panose="020B0502040204020203" pitchFamily="34" charset="0"/>
+              </a:rPr>
+              <a:t>Web Tier</a:t>
+            </a:r>
+          </a:p>
+        </p:txBody>
+      </p:sp>
+      <p:sp>
+        <p:nvSpPr>
+          <p:cNvPr id="10" name="Rectangle: Rounded Corners 9">
+            <a:extLst>
+              <a:ext uri="{FF2B5EF4-FFF2-40B4-BE49-F238E27FC236}">
+                <a16:creationId xmlns:a16="http://schemas.microsoft.com/office/drawing/2014/main" id="{3FC55468-DDBC-425E-B90C-34C403335A53}"/>
               </a:ext>
             </a:extLst>
           </p:cNvPr>
@@ -25651,138 +26470,22 @@
         </p:nvSpPr>
         <p:spPr bwMode="auto">
           <a:xfrm>
-            <a:off x="9054595" y="1810236"/>
-            <a:ext cx="780290" cy="404290"/>
+            <a:off x="7123398" y="4987466"/>
+            <a:ext cx="2621589" cy="1675587"/>
           </a:xfrm>
-          <a:prstGeom prst="rect">
+          <a:prstGeom prst="roundRect">
             <a:avLst/>
           </a:prstGeom>
           <a:solidFill>
-            <a:schemeClr val="tx1"/>
+            <a:schemeClr val="accent3"/>
           </a:solidFill>
-          <a:ln>
-            <a:noFill/>
-            <a:headEnd type="none" w="med" len="med"/>
-            <a:tailEnd type="none" w="med" len="med"/>
-          </a:ln>
-          <a:effectLst/>
-        </p:spPr>
-        <p:style>
-          <a:lnRef idx="1">
-            <a:schemeClr val="accent2"/>
-          </a:lnRef>
-          <a:fillRef idx="3">
-            <a:schemeClr val="accent2"/>
-          </a:fillRef>
-          <a:effectRef idx="2">
-            <a:schemeClr val="accent2"/>
-          </a:effectRef>
-          <a:fontRef idx="minor">
-            <a:schemeClr val="lt1"/>
-          </a:fontRef>
-        </p:style>
-        <p:txBody>
-          <a:bodyPr rot="0" spcFirstLastPara="0" vertOverflow="overflow" horzOverflow="overflow" vert="horz" wrap="square" lIns="182880" tIns="146304" rIns="182880" bIns="146304" numCol="1" spcCol="0" rtlCol="0" fromWordArt="0" anchor="t" anchorCtr="0" forceAA="0" compatLnSpc="1">
-            <a:prstTxWarp prst="textNoShape">
-              <a:avLst/>
-            </a:prstTxWarp>
-            <a:noAutofit/>
-          </a:bodyPr>
-          <a:lstStyle/>
-          <a:p>
-            <a:pPr algn="ctr" defTabSz="932472" fontAlgn="base">
-              <a:lnSpc>
-                <a:spcPct val="90000"/>
-              </a:lnSpc>
-              <a:spcBef>
-                <a:spcPct val="0"/>
-              </a:spcBef>
-              <a:spcAft>
-                <a:spcPct val="0"/>
-              </a:spcAft>
-            </a:pPr>
-            <a:endParaRPr lang="en-IE" sz="2400" dirty="0" err="1">
-              <a:gradFill>
-                <a:gsLst>
-                  <a:gs pos="0">
-                    <a:srgbClr val="FFFFFF"/>
-                  </a:gs>
-                  <a:gs pos="100000">
-                    <a:srgbClr val="FFFFFF"/>
-                  </a:gs>
-                </a:gsLst>
-                <a:lin ang="5400000" scaled="0"/>
-              </a:gradFill>
-              <a:ea typeface="Segoe UI" pitchFamily="34" charset="0"/>
-              <a:cs typeface="Segoe UI" pitchFamily="34" charset="0"/>
-            </a:endParaRPr>
-          </a:p>
-        </p:txBody>
-      </p:sp>
-      <p:pic>
-        <p:nvPicPr>
-          <p:cNvPr id="7" name="Picture 6">
-            <a:extLst>
-              <a:ext uri="{FF2B5EF4-FFF2-40B4-BE49-F238E27FC236}">
-                <a16:creationId xmlns:a16="http://schemas.microsoft.com/office/drawing/2014/main" id="{B7F3D025-C9B1-4E62-AA03-50F185F0CE35}"/>
-              </a:ext>
-            </a:extLst>
-          </p:cNvPr>
-          <p:cNvPicPr>
-            <a:picLocks noChangeAspect="1"/>
-          </p:cNvPicPr>
-          <p:nvPr/>
-        </p:nvPicPr>
-        <p:blipFill>
-          <a:blip r:embed="rId6" cstate="print">
-            <a:extLst>
-              <a:ext uri="{28A0092B-C50C-407E-A947-70E740481C1C}">
-                <a14:useLocalDpi xmlns:a14="http://schemas.microsoft.com/office/drawing/2010/main" val="0"/>
-              </a:ext>
-            </a:extLst>
-          </a:blip>
-          <a:stretch>
-            <a:fillRect/>
-          </a:stretch>
-        </p:blipFill>
-        <p:spPr>
-          <a:xfrm>
-            <a:off x="9046701" y="1600930"/>
-            <a:ext cx="780290" cy="780290"/>
-          </a:xfrm>
-          <a:prstGeom prst="rect">
-            <a:avLst/>
-          </a:prstGeom>
-        </p:spPr>
-      </p:pic>
-      <p:sp>
-        <p:nvSpPr>
-          <p:cNvPr id="21" name="Arrow: Right 20">
-            <a:extLst>
-              <a:ext uri="{FF2B5EF4-FFF2-40B4-BE49-F238E27FC236}">
-                <a16:creationId xmlns:a16="http://schemas.microsoft.com/office/drawing/2014/main" id="{E4B94659-E21B-4FE1-9777-93A70DA52169}"/>
-              </a:ext>
-            </a:extLst>
-          </p:cNvPr>
-          <p:cNvSpPr/>
-          <p:nvPr/>
-        </p:nvSpPr>
-        <p:spPr bwMode="auto">
-          <a:xfrm>
-            <a:off x="8559429" y="3517826"/>
-            <a:ext cx="1702987" cy="259749"/>
-          </a:xfrm>
-          <a:prstGeom prst="rightArrow">
-            <a:avLst>
-              <a:gd name="adj1" fmla="val 43294"/>
-              <a:gd name="adj2" fmla="val 73469"/>
-            </a:avLst>
-          </a:prstGeom>
-          <a:solidFill>
-            <a:schemeClr val="accent4"/>
-          </a:solidFill>
-          <a:ln>
-            <a:noFill/>
+          <a:ln w="19050">
+            <a:solidFill>
+              <a:schemeClr val="bg2">
+                <a:lumMod val="75000"/>
+              </a:schemeClr>
+            </a:solidFill>
+            <a:prstDash val="dash"/>
             <a:headEnd type="none" w="med" len="med"/>
             <a:tailEnd type="none" w="med" len="med"/>
           </a:ln>
@@ -25842,10 +26545,10 @@
       </p:sp>
       <p:sp>
         <p:nvSpPr>
-          <p:cNvPr id="22" name="TextBox 21">
+          <p:cNvPr id="11" name="TextBox 10">
             <a:extLst>
               <a:ext uri="{FF2B5EF4-FFF2-40B4-BE49-F238E27FC236}">
-                <a16:creationId xmlns:a16="http://schemas.microsoft.com/office/drawing/2014/main" id="{E8D04AEB-0C21-4696-93C8-991535E947C5}"/>
+                <a16:creationId xmlns:a16="http://schemas.microsoft.com/office/drawing/2014/main" id="{472A6D3C-05FC-4604-9ECE-AF2572548D46}"/>
               </a:ext>
             </a:extLst>
           </p:cNvPr>
@@ -25853,24 +26556,22 @@
           <p:nvPr/>
         </p:nvSpPr>
         <p:spPr>
-          <a:xfrm>
-            <a:off x="9117988" y="3383582"/>
-            <a:ext cx="589541" cy="572464"/>
+          <a:xfrm rot="16200000">
+            <a:off x="6281910" y="5284489"/>
+            <a:ext cx="1395120" cy="544765"/>
           </a:xfrm>
           <a:prstGeom prst="rect">
             <a:avLst/>
           </a:prstGeom>
-          <a:solidFill>
-            <a:schemeClr val="tx1"/>
-          </a:solidFill>
+          <a:noFill/>
         </p:spPr>
         <p:txBody>
-          <a:bodyPr wrap="square" lIns="0" tIns="146304" rIns="0" bIns="146304" rtlCol="0">
+          <a:bodyPr wrap="none" lIns="182880" tIns="146304" rIns="182880" bIns="146304" rtlCol="0">
             <a:spAutoFit/>
           </a:bodyPr>
           <a:lstStyle/>
           <a:p>
-            <a:pPr algn="ctr">
+            <a:pPr>
               <a:lnSpc>
                 <a:spcPct val="90000"/>
               </a:lnSpc>
@@ -25879,24 +26580,24 @@
               </a:spcAft>
             </a:pPr>
             <a:r>
-              <a:rPr lang="en-IE" sz="2000" b="1" dirty="0">
+              <a:rPr lang="en-IE" dirty="0">
                 <a:solidFill>
                   <a:schemeClr val="bg1"/>
                 </a:solidFill>
                 <a:latin typeface="Segoe UI" panose="020B0502040204020203" pitchFamily="34" charset="0"/>
                 <a:cs typeface="Segoe UI" panose="020B0502040204020203" pitchFamily="34" charset="0"/>
               </a:rPr>
-              <a:t>V2V</a:t>
+              <a:t>DB Tier</a:t>
             </a:r>
           </a:p>
         </p:txBody>
       </p:sp>
       <p:sp>
         <p:nvSpPr>
-          <p:cNvPr id="23" name="Arrow: Right 22">
+          <p:cNvPr id="13" name="Rectangle: Rounded Corners 12">
             <a:extLst>
               <a:ext uri="{FF2B5EF4-FFF2-40B4-BE49-F238E27FC236}">
-                <a16:creationId xmlns:a16="http://schemas.microsoft.com/office/drawing/2014/main" id="{20EC32BB-0E1E-4874-9B5D-399D8291169C}"/>
+                <a16:creationId xmlns:a16="http://schemas.microsoft.com/office/drawing/2014/main" id="{9AFB465A-3FFC-4A4C-8223-C3CE761D7FCD}"/>
               </a:ext>
             </a:extLst>
           </p:cNvPr>
@@ -25905,20 +26606,22 @@
         </p:nvSpPr>
         <p:spPr bwMode="auto">
           <a:xfrm>
-            <a:off x="8813074" y="5484957"/>
-            <a:ext cx="1449341" cy="259749"/>
+            <a:off x="7070083" y="2048007"/>
+            <a:ext cx="2673022" cy="1275927"/>
           </a:xfrm>
-          <a:prstGeom prst="rightArrow">
-            <a:avLst>
-              <a:gd name="adj1" fmla="val 43294"/>
-              <a:gd name="adj2" fmla="val 73469"/>
-            </a:avLst>
+          <a:prstGeom prst="roundRect">
+            <a:avLst/>
           </a:prstGeom>
           <a:solidFill>
-            <a:schemeClr val="accent4"/>
+            <a:schemeClr val="accent3"/>
           </a:solidFill>
-          <a:ln>
-            <a:noFill/>
+          <a:ln w="19050">
+            <a:solidFill>
+              <a:schemeClr val="bg2">
+                <a:lumMod val="75000"/>
+              </a:schemeClr>
+            </a:solidFill>
+            <a:prstDash val="dash"/>
             <a:headEnd type="none" w="med" len="med"/>
             <a:tailEnd type="none" w="med" len="med"/>
           </a:ln>
@@ -25978,10 +26681,544 @@
       </p:sp>
       <p:sp>
         <p:nvSpPr>
-          <p:cNvPr id="24" name="TextBox 23">
+          <p:cNvPr id="14" name="TextBox 13">
             <a:extLst>
               <a:ext uri="{FF2B5EF4-FFF2-40B4-BE49-F238E27FC236}">
-                <a16:creationId xmlns:a16="http://schemas.microsoft.com/office/drawing/2014/main" id="{F174E140-5CBE-4832-9943-0075AB3C2150}"/>
+                <a16:creationId xmlns:a16="http://schemas.microsoft.com/office/drawing/2014/main" id="{22A88403-EC74-4B42-8C6A-A1A68F87A36C}"/>
+              </a:ext>
+            </a:extLst>
+          </p:cNvPr>
+          <p:cNvSpPr txBox="1"/>
+          <p:nvPr/>
+        </p:nvSpPr>
+        <p:spPr>
+          <a:xfrm rot="16200000">
+            <a:off x="6312371" y="2358792"/>
+            <a:ext cx="1178849" cy="520432"/>
+          </a:xfrm>
+          <a:prstGeom prst="rect">
+            <a:avLst/>
+          </a:prstGeom>
+          <a:noFill/>
+        </p:spPr>
+        <p:txBody>
+          <a:bodyPr wrap="none" lIns="182880" tIns="146304" rIns="182880" bIns="146304" rtlCol="0">
+            <a:spAutoFit/>
+          </a:bodyPr>
+          <a:lstStyle/>
+          <a:p>
+            <a:pPr>
+              <a:lnSpc>
+                <a:spcPct val="90000"/>
+              </a:lnSpc>
+              <a:spcAft>
+                <a:spcPts val="600"/>
+              </a:spcAft>
+            </a:pPr>
+            <a:r>
+              <a:rPr lang="en-IE" dirty="0">
+                <a:solidFill>
+                  <a:schemeClr val="bg1"/>
+                </a:solidFill>
+                <a:latin typeface="Segoe UI" panose="020B0502040204020203" pitchFamily="34" charset="0"/>
+                <a:cs typeface="Segoe UI" panose="020B0502040204020203" pitchFamily="34" charset="0"/>
+              </a:rPr>
+              <a:t>App </a:t>
+            </a:r>
+            <a:r>
+              <a:rPr lang="en-IE" dirty="0" err="1">
+                <a:solidFill>
+                  <a:schemeClr val="bg1"/>
+                </a:solidFill>
+                <a:latin typeface="Segoe UI" panose="020B0502040204020203" pitchFamily="34" charset="0"/>
+                <a:cs typeface="Segoe UI" panose="020B0502040204020203" pitchFamily="34" charset="0"/>
+              </a:rPr>
+              <a:t>Gw</a:t>
+            </a:r>
+            <a:endParaRPr lang="en-IE" dirty="0">
+              <a:solidFill>
+                <a:schemeClr val="bg1"/>
+              </a:solidFill>
+              <a:latin typeface="Segoe UI" panose="020B0502040204020203" pitchFamily="34" charset="0"/>
+              <a:cs typeface="Segoe UI" panose="020B0502040204020203" pitchFamily="34" charset="0"/>
+            </a:endParaRPr>
+          </a:p>
+        </p:txBody>
+      </p:sp>
+      <p:pic>
+        <p:nvPicPr>
+          <p:cNvPr id="29" name="Picture 28">
+            <a:extLst>
+              <a:ext uri="{FF2B5EF4-FFF2-40B4-BE49-F238E27FC236}">
+                <a16:creationId xmlns:a16="http://schemas.microsoft.com/office/drawing/2014/main" id="{EB1C872D-99A9-49C5-8473-B334D1A4EC4B}"/>
+              </a:ext>
+            </a:extLst>
+          </p:cNvPr>
+          <p:cNvPicPr>
+            <a:picLocks noChangeAspect="1"/>
+          </p:cNvPicPr>
+          <p:nvPr/>
+        </p:nvPicPr>
+        <p:blipFill>
+          <a:blip r:embed="rId3" cstate="print">
+            <a:extLst>
+              <a:ext uri="{28A0092B-C50C-407E-A947-70E740481C1C}">
+                <a14:useLocalDpi xmlns:a14="http://schemas.microsoft.com/office/drawing/2010/main" val="0"/>
+              </a:ext>
+            </a:extLst>
+          </a:blip>
+          <a:stretch>
+            <a:fillRect/>
+          </a:stretch>
+        </p:blipFill>
+        <p:spPr>
+          <a:xfrm>
+            <a:off x="7971634" y="954755"/>
+            <a:ext cx="780290" cy="780290"/>
+          </a:xfrm>
+          <a:prstGeom prst="rect">
+            <a:avLst/>
+          </a:prstGeom>
+        </p:spPr>
+      </p:pic>
+      <p:pic>
+        <p:nvPicPr>
+          <p:cNvPr id="31" name="Picture 30">
+            <a:extLst>
+              <a:ext uri="{FF2B5EF4-FFF2-40B4-BE49-F238E27FC236}">
+                <a16:creationId xmlns:a16="http://schemas.microsoft.com/office/drawing/2014/main" id="{CB2E1186-B3F7-49BA-A944-74DDD53D34B5}"/>
+              </a:ext>
+            </a:extLst>
+          </p:cNvPr>
+          <p:cNvPicPr>
+            <a:picLocks noChangeAspect="1"/>
+          </p:cNvPicPr>
+          <p:nvPr/>
+        </p:nvPicPr>
+        <p:blipFill>
+          <a:blip r:embed="rId4" cstate="print">
+            <a:extLst>
+              <a:ext uri="{28A0092B-C50C-407E-A947-70E740481C1C}">
+                <a14:useLocalDpi xmlns:a14="http://schemas.microsoft.com/office/drawing/2010/main" val="0"/>
+              </a:ext>
+            </a:extLst>
+          </a:blip>
+          <a:stretch>
+            <a:fillRect/>
+          </a:stretch>
+        </p:blipFill>
+        <p:spPr>
+          <a:xfrm>
+            <a:off x="7376406" y="3865543"/>
+            <a:ext cx="651423" cy="651423"/>
+          </a:xfrm>
+          <a:prstGeom prst="rect">
+            <a:avLst/>
+          </a:prstGeom>
+        </p:spPr>
+      </p:pic>
+      <p:pic>
+        <p:nvPicPr>
+          <p:cNvPr id="32" name="Picture 31">
+            <a:extLst>
+              <a:ext uri="{FF2B5EF4-FFF2-40B4-BE49-F238E27FC236}">
+                <a16:creationId xmlns:a16="http://schemas.microsoft.com/office/drawing/2014/main" id="{AB4A5C19-E2C9-4E3F-B08A-7F53EB8DBBF6}"/>
+              </a:ext>
+            </a:extLst>
+          </p:cNvPr>
+          <p:cNvPicPr>
+            <a:picLocks noChangeAspect="1"/>
+          </p:cNvPicPr>
+          <p:nvPr/>
+        </p:nvPicPr>
+        <p:blipFill>
+          <a:blip r:embed="rId4" cstate="print">
+            <a:extLst>
+              <a:ext uri="{28A0092B-C50C-407E-A947-70E740481C1C}">
+                <a14:useLocalDpi xmlns:a14="http://schemas.microsoft.com/office/drawing/2010/main" val="0"/>
+              </a:ext>
+            </a:extLst>
+          </a:blip>
+          <a:stretch>
+            <a:fillRect/>
+          </a:stretch>
+        </p:blipFill>
+        <p:spPr>
+          <a:xfrm>
+            <a:off x="8741195" y="3865543"/>
+            <a:ext cx="651423" cy="651423"/>
+          </a:xfrm>
+          <a:prstGeom prst="rect">
+            <a:avLst/>
+          </a:prstGeom>
+        </p:spPr>
+      </p:pic>
+      <p:grpSp>
+        <p:nvGrpSpPr>
+          <p:cNvPr id="40" name="Group 39">
+            <a:extLst>
+              <a:ext uri="{FF2B5EF4-FFF2-40B4-BE49-F238E27FC236}">
+                <a16:creationId xmlns:a16="http://schemas.microsoft.com/office/drawing/2014/main" id="{7F233D6E-9764-4DF6-9627-4A4FF62B7C2D}"/>
+              </a:ext>
+            </a:extLst>
+          </p:cNvPr>
+          <p:cNvGrpSpPr/>
+          <p:nvPr/>
+        </p:nvGrpSpPr>
+        <p:grpSpPr>
+          <a:xfrm>
+            <a:off x="7365437" y="5756419"/>
+            <a:ext cx="723224" cy="663816"/>
+            <a:chOff x="5322704" y="5584358"/>
+            <a:chExt cx="723224" cy="663816"/>
+          </a:xfrm>
+        </p:grpSpPr>
+        <p:pic>
+          <p:nvPicPr>
+            <p:cNvPr id="33" name="Picture 32">
+              <a:extLst>
+                <a:ext uri="{FF2B5EF4-FFF2-40B4-BE49-F238E27FC236}">
+                  <a16:creationId xmlns:a16="http://schemas.microsoft.com/office/drawing/2014/main" id="{E422F9E7-811D-4AF1-BD4A-DE912D8DC94B}"/>
+                </a:ext>
+              </a:extLst>
+            </p:cNvPr>
+            <p:cNvPicPr>
+              <a:picLocks noChangeAspect="1"/>
+            </p:cNvPicPr>
+            <p:nvPr/>
+          </p:nvPicPr>
+          <p:blipFill>
+            <a:blip r:embed="rId4" cstate="print">
+              <a:extLst>
+                <a:ext uri="{28A0092B-C50C-407E-A947-70E740481C1C}">
+                  <a14:useLocalDpi xmlns:a14="http://schemas.microsoft.com/office/drawing/2010/main" val="0"/>
+                </a:ext>
+              </a:extLst>
+            </a:blip>
+            <a:stretch>
+              <a:fillRect/>
+            </a:stretch>
+          </p:blipFill>
+          <p:spPr>
+            <a:xfrm>
+              <a:off x="5322704" y="5584358"/>
+              <a:ext cx="651423" cy="651423"/>
+            </a:xfrm>
+            <a:prstGeom prst="rect">
+              <a:avLst/>
+            </a:prstGeom>
+          </p:spPr>
+        </p:pic>
+        <p:pic>
+          <p:nvPicPr>
+            <p:cNvPr id="36" name="Picture 35">
+              <a:extLst>
+                <a:ext uri="{FF2B5EF4-FFF2-40B4-BE49-F238E27FC236}">
+                  <a16:creationId xmlns:a16="http://schemas.microsoft.com/office/drawing/2014/main" id="{A6B251CC-2A74-4FB5-A245-80927E7BDD34}"/>
+                </a:ext>
+              </a:extLst>
+            </p:cNvPr>
+            <p:cNvPicPr>
+              <a:picLocks noChangeAspect="1"/>
+            </p:cNvPicPr>
+            <p:nvPr/>
+          </p:nvPicPr>
+          <p:blipFill>
+            <a:blip r:embed="rId5" cstate="print">
+              <a:extLst>
+                <a:ext uri="{28A0092B-C50C-407E-A947-70E740481C1C}">
+                  <a14:useLocalDpi xmlns:a14="http://schemas.microsoft.com/office/drawing/2010/main" val="0"/>
+                </a:ext>
+              </a:extLst>
+            </a:blip>
+            <a:stretch>
+              <a:fillRect/>
+            </a:stretch>
+          </p:blipFill>
+          <p:spPr>
+            <a:xfrm>
+              <a:off x="5752186" y="5954432"/>
+              <a:ext cx="293742" cy="293742"/>
+            </a:xfrm>
+            <a:prstGeom prst="rect">
+              <a:avLst/>
+            </a:prstGeom>
+          </p:spPr>
+        </p:pic>
+      </p:grpSp>
+      <p:grpSp>
+        <p:nvGrpSpPr>
+          <p:cNvPr id="41" name="Group 40">
+            <a:extLst>
+              <a:ext uri="{FF2B5EF4-FFF2-40B4-BE49-F238E27FC236}">
+                <a16:creationId xmlns:a16="http://schemas.microsoft.com/office/drawing/2014/main" id="{D3D04533-15F8-45E6-B1DF-3925BBCAE9EA}"/>
+              </a:ext>
+            </a:extLst>
+          </p:cNvPr>
+          <p:cNvGrpSpPr/>
+          <p:nvPr/>
+        </p:nvGrpSpPr>
+        <p:grpSpPr>
+          <a:xfrm>
+            <a:off x="8735272" y="5762616"/>
+            <a:ext cx="716194" cy="651423"/>
+            <a:chOff x="6682517" y="5583955"/>
+            <a:chExt cx="716194" cy="651423"/>
+          </a:xfrm>
+        </p:grpSpPr>
+        <p:pic>
+          <p:nvPicPr>
+            <p:cNvPr id="34" name="Picture 33">
+              <a:extLst>
+                <a:ext uri="{FF2B5EF4-FFF2-40B4-BE49-F238E27FC236}">
+                  <a16:creationId xmlns:a16="http://schemas.microsoft.com/office/drawing/2014/main" id="{513510C5-FC6D-40FC-80BB-798DD5F22DA3}"/>
+                </a:ext>
+              </a:extLst>
+            </p:cNvPr>
+            <p:cNvPicPr>
+              <a:picLocks noChangeAspect="1"/>
+            </p:cNvPicPr>
+            <p:nvPr/>
+          </p:nvPicPr>
+          <p:blipFill>
+            <a:blip r:embed="rId4" cstate="print">
+              <a:extLst>
+                <a:ext uri="{28A0092B-C50C-407E-A947-70E740481C1C}">
+                  <a14:useLocalDpi xmlns:a14="http://schemas.microsoft.com/office/drawing/2010/main" val="0"/>
+                </a:ext>
+              </a:extLst>
+            </a:blip>
+            <a:stretch>
+              <a:fillRect/>
+            </a:stretch>
+          </p:blipFill>
+          <p:spPr>
+            <a:xfrm>
+              <a:off x="6682517" y="5583955"/>
+              <a:ext cx="651423" cy="651423"/>
+            </a:xfrm>
+            <a:prstGeom prst="rect">
+              <a:avLst/>
+            </a:prstGeom>
+          </p:spPr>
+        </p:pic>
+        <p:pic>
+          <p:nvPicPr>
+            <p:cNvPr id="37" name="Picture 36">
+              <a:extLst>
+                <a:ext uri="{FF2B5EF4-FFF2-40B4-BE49-F238E27FC236}">
+                  <a16:creationId xmlns:a16="http://schemas.microsoft.com/office/drawing/2014/main" id="{E01D76B2-6264-4630-8B9F-1C05412AFE4A}"/>
+                </a:ext>
+              </a:extLst>
+            </p:cNvPr>
+            <p:cNvPicPr>
+              <a:picLocks noChangeAspect="1"/>
+            </p:cNvPicPr>
+            <p:nvPr/>
+          </p:nvPicPr>
+          <p:blipFill>
+            <a:blip r:embed="rId5" cstate="print">
+              <a:extLst>
+                <a:ext uri="{28A0092B-C50C-407E-A947-70E740481C1C}">
+                  <a14:useLocalDpi xmlns:a14="http://schemas.microsoft.com/office/drawing/2010/main" val="0"/>
+                </a:ext>
+              </a:extLst>
+            </a:blip>
+            <a:stretch>
+              <a:fillRect/>
+            </a:stretch>
+          </p:blipFill>
+          <p:spPr>
+            <a:xfrm>
+              <a:off x="7104969" y="5941636"/>
+              <a:ext cx="293742" cy="293742"/>
+            </a:xfrm>
+            <a:prstGeom prst="rect">
+              <a:avLst/>
+            </a:prstGeom>
+          </p:spPr>
+        </p:pic>
+      </p:grpSp>
+      <p:sp>
+        <p:nvSpPr>
+          <p:cNvPr id="42" name="Rectangle: Rounded Corners 41">
+            <a:extLst>
+              <a:ext uri="{FF2B5EF4-FFF2-40B4-BE49-F238E27FC236}">
+                <a16:creationId xmlns:a16="http://schemas.microsoft.com/office/drawing/2014/main" id="{7CC8A3C6-191C-4246-BB15-A5102337483E}"/>
+              </a:ext>
+            </a:extLst>
+          </p:cNvPr>
+          <p:cNvSpPr/>
+          <p:nvPr/>
+        </p:nvSpPr>
+        <p:spPr bwMode="auto">
+          <a:xfrm>
+            <a:off x="7258304" y="1937105"/>
+            <a:ext cx="910184" cy="4817531"/>
+          </a:xfrm>
+          <a:prstGeom prst="roundRect">
+            <a:avLst/>
+          </a:prstGeom>
+          <a:noFill/>
+          <a:ln w="19050">
+            <a:solidFill>
+              <a:srgbClr val="C00000"/>
+            </a:solidFill>
+            <a:headEnd type="none" w="med" len="med"/>
+            <a:tailEnd type="none" w="med" len="med"/>
+          </a:ln>
+          <a:effectLst/>
+        </p:spPr>
+        <p:style>
+          <a:lnRef idx="1">
+            <a:schemeClr val="accent2"/>
+          </a:lnRef>
+          <a:fillRef idx="3">
+            <a:schemeClr val="accent2"/>
+          </a:fillRef>
+          <a:effectRef idx="2">
+            <a:schemeClr val="accent2"/>
+          </a:effectRef>
+          <a:fontRef idx="minor">
+            <a:schemeClr val="lt1"/>
+          </a:fontRef>
+        </p:style>
+        <p:txBody>
+          <a:bodyPr rot="0" spcFirstLastPara="0" vertOverflow="overflow" horzOverflow="overflow" vert="horz" wrap="square" lIns="1944000" tIns="146304" rIns="36000" bIns="146304" numCol="1" spcCol="0" rtlCol="0" fromWordArt="0" anchor="ctr" anchorCtr="0" forceAA="0" compatLnSpc="1">
+            <a:prstTxWarp prst="textNoShape">
+              <a:avLst/>
+            </a:prstTxWarp>
+            <a:noAutofit/>
+          </a:bodyPr>
+          <a:lstStyle/>
+          <a:p>
+            <a:pPr defTabSz="932472" fontAlgn="base">
+              <a:lnSpc>
+                <a:spcPct val="90000"/>
+              </a:lnSpc>
+              <a:spcBef>
+                <a:spcPct val="0"/>
+              </a:spcBef>
+              <a:spcAft>
+                <a:spcPct val="0"/>
+              </a:spcAft>
+            </a:pPr>
+            <a:endParaRPr lang="en-IE" sz="1600" dirty="0">
+              <a:solidFill>
+                <a:srgbClr val="C00000"/>
+              </a:solidFill>
+              <a:latin typeface="Segoe UI" panose="020B0502040204020203" pitchFamily="34" charset="0"/>
+              <a:ea typeface="Segoe UI" panose="020B0502040204020203" pitchFamily="34" charset="0"/>
+              <a:cs typeface="Segoe UI" panose="020B0502040204020203" pitchFamily="34" charset="0"/>
+            </a:endParaRPr>
+          </a:p>
+        </p:txBody>
+      </p:sp>
+      <p:cxnSp>
+        <p:nvCxnSpPr>
+          <p:cNvPr id="55" name="Straight Arrow Connector 54">
+            <a:extLst>
+              <a:ext uri="{FF2B5EF4-FFF2-40B4-BE49-F238E27FC236}">
+                <a16:creationId xmlns:a16="http://schemas.microsoft.com/office/drawing/2014/main" id="{94732189-1B34-4F6E-A2E6-88B180221490}"/>
+              </a:ext>
+            </a:extLst>
+          </p:cNvPr>
+          <p:cNvCxnSpPr>
+            <a:cxnSpLocks/>
+            <a:stCxn id="31" idx="2"/>
+          </p:cNvCxnSpPr>
+          <p:nvPr/>
+        </p:nvCxnSpPr>
+        <p:spPr>
+          <a:xfrm>
+            <a:off x="7702118" y="4516966"/>
+            <a:ext cx="546365" cy="616128"/>
+          </a:xfrm>
+          <a:prstGeom prst="straightConnector1">
+            <a:avLst/>
+          </a:prstGeom>
+          <a:ln w="19050">
+            <a:solidFill>
+              <a:schemeClr val="accent2">
+                <a:lumMod val="75000"/>
+                <a:lumOff val="25000"/>
+              </a:schemeClr>
+            </a:solidFill>
+            <a:headEnd type="none"/>
+            <a:tailEnd type="triangle" w="lg" len="med"/>
+          </a:ln>
+        </p:spPr>
+        <p:style>
+          <a:lnRef idx="1">
+            <a:schemeClr val="accent1"/>
+          </a:lnRef>
+          <a:fillRef idx="0">
+            <a:schemeClr val="accent1"/>
+          </a:fillRef>
+          <a:effectRef idx="0">
+            <a:schemeClr val="accent1"/>
+          </a:effectRef>
+          <a:fontRef idx="minor">
+            <a:schemeClr val="tx1"/>
+          </a:fontRef>
+        </p:style>
+      </p:cxnSp>
+      <p:cxnSp>
+        <p:nvCxnSpPr>
+          <p:cNvPr id="61" name="Straight Arrow Connector 60">
+            <a:extLst>
+              <a:ext uri="{FF2B5EF4-FFF2-40B4-BE49-F238E27FC236}">
+                <a16:creationId xmlns:a16="http://schemas.microsoft.com/office/drawing/2014/main" id="{2237DC85-9B9A-4370-AE5A-4227CCEE927B}"/>
+              </a:ext>
+            </a:extLst>
+          </p:cNvPr>
+          <p:cNvCxnSpPr>
+            <a:cxnSpLocks/>
+            <a:stCxn id="22" idx="2"/>
+            <a:endCxn id="33" idx="0"/>
+          </p:cNvCxnSpPr>
+          <p:nvPr/>
+        </p:nvCxnSpPr>
+        <p:spPr>
+          <a:xfrm flipH="1">
+            <a:off x="7691149" y="5593674"/>
+            <a:ext cx="657798" cy="162745"/>
+          </a:xfrm>
+          <a:prstGeom prst="straightConnector1">
+            <a:avLst/>
+          </a:prstGeom>
+          <a:ln w="19050">
+            <a:solidFill>
+              <a:schemeClr val="accent2">
+                <a:lumMod val="75000"/>
+                <a:lumOff val="25000"/>
+              </a:schemeClr>
+            </a:solidFill>
+            <a:headEnd type="none"/>
+            <a:tailEnd type="triangle" w="lg" len="med"/>
+          </a:ln>
+        </p:spPr>
+        <p:style>
+          <a:lnRef idx="1">
+            <a:schemeClr val="accent1"/>
+          </a:lnRef>
+          <a:fillRef idx="0">
+            <a:schemeClr val="accent1"/>
+          </a:fillRef>
+          <a:effectRef idx="0">
+            <a:schemeClr val="accent1"/>
+          </a:effectRef>
+          <a:fontRef idx="minor">
+            <a:schemeClr val="tx1"/>
+          </a:fontRef>
+        </p:style>
+      </p:cxnSp>
+      <p:sp>
+        <p:nvSpPr>
+          <p:cNvPr id="68" name="TextBox 67">
+            <a:extLst>
+              <a:ext uri="{FF2B5EF4-FFF2-40B4-BE49-F238E27FC236}">
+                <a16:creationId xmlns:a16="http://schemas.microsoft.com/office/drawing/2014/main" id="{588211EC-5875-488C-8C7E-394926F593A3}"/>
               </a:ext>
             </a:extLst>
           </p:cNvPr>
@@ -25990,8 +27227,8 @@
         </p:nvSpPr>
         <p:spPr>
           <a:xfrm>
-            <a:off x="8909241" y="5174974"/>
-            <a:ext cx="1155528" cy="544765"/>
+            <a:off x="8705900" y="1104608"/>
+            <a:ext cx="1499962" cy="489365"/>
           </a:xfrm>
           <a:prstGeom prst="rect">
             <a:avLst/>
@@ -25999,61 +27236,12 @@
           <a:noFill/>
         </p:spPr>
         <p:txBody>
-          <a:bodyPr wrap="square" lIns="0" tIns="146304" rIns="0" bIns="146304" rtlCol="0">
+          <a:bodyPr wrap="none" lIns="182880" tIns="146304" rIns="182880" bIns="146304" rtlCol="0">
             <a:spAutoFit/>
           </a:bodyPr>
           <a:lstStyle/>
           <a:p>
-            <a:pPr algn="ctr">
-              <a:lnSpc>
-                <a:spcPct val="90000"/>
-              </a:lnSpc>
-              <a:spcAft>
-                <a:spcPts val="600"/>
-              </a:spcAft>
-            </a:pPr>
-            <a:r>
-              <a:rPr lang="en-IE" b="1" dirty="0">
-                <a:solidFill>
-                  <a:schemeClr val="bg1"/>
-                </a:solidFill>
-                <a:latin typeface="Segoe UI" panose="020B0502040204020203" pitchFamily="34" charset="0"/>
-                <a:cs typeface="Segoe UI" panose="020B0502040204020203" pitchFamily="34" charset="0"/>
-              </a:rPr>
-              <a:t>Re-install</a:t>
-            </a:r>
-          </a:p>
-        </p:txBody>
-      </p:sp>
-      <p:sp>
-        <p:nvSpPr>
-          <p:cNvPr id="25" name="TextBox 24">
-            <a:extLst>
-              <a:ext uri="{FF2B5EF4-FFF2-40B4-BE49-F238E27FC236}">
-                <a16:creationId xmlns:a16="http://schemas.microsoft.com/office/drawing/2014/main" id="{A64DA759-437D-4043-9E71-D9318E28F052}"/>
-              </a:ext>
-            </a:extLst>
-          </p:cNvPr>
-          <p:cNvSpPr txBox="1"/>
-          <p:nvPr/>
-        </p:nvSpPr>
-        <p:spPr>
-          <a:xfrm>
-            <a:off x="8793852" y="2191538"/>
-            <a:ext cx="1155528" cy="683264"/>
-          </a:xfrm>
-          <a:prstGeom prst="rect">
-            <a:avLst/>
-          </a:prstGeom>
-          <a:noFill/>
-        </p:spPr>
-        <p:txBody>
-          <a:bodyPr wrap="square" lIns="0" tIns="146304" rIns="0" bIns="146304" rtlCol="0">
-            <a:spAutoFit/>
-          </a:bodyPr>
-          <a:lstStyle/>
-          <a:p>
-            <a:pPr algn="ctr">
+            <a:pPr>
               <a:lnSpc>
                 <a:spcPct val="90000"/>
               </a:lnSpc>
@@ -26069,15 +27257,1218 @@
                 <a:latin typeface="Segoe UI" panose="020B0502040204020203" pitchFamily="34" charset="0"/>
                 <a:cs typeface="Segoe UI" panose="020B0502040204020203" pitchFamily="34" charset="0"/>
               </a:rPr>
-              <a:t>Azure Site Recovery</a:t>
+              <a:t>ExpressRoute</a:t>
             </a:r>
+            <a:endParaRPr lang="en-IE" sz="1400" dirty="0">
+              <a:solidFill>
+                <a:schemeClr val="bg1"/>
+              </a:solidFill>
+              <a:latin typeface="Segoe UI" panose="020B0502040204020203" pitchFamily="34" charset="0"/>
+              <a:cs typeface="Segoe UI" panose="020B0502040204020203" pitchFamily="34" charset="0"/>
+            </a:endParaRPr>
+          </a:p>
+        </p:txBody>
+      </p:sp>
+      <p:cxnSp>
+        <p:nvCxnSpPr>
+          <p:cNvPr id="69" name="Straight Arrow Connector 68">
+            <a:extLst>
+              <a:ext uri="{FF2B5EF4-FFF2-40B4-BE49-F238E27FC236}">
+                <a16:creationId xmlns:a16="http://schemas.microsoft.com/office/drawing/2014/main" id="{FF08022D-8EC3-482A-BDEC-E90F11419245}"/>
+              </a:ext>
+            </a:extLst>
+          </p:cNvPr>
+          <p:cNvCxnSpPr>
+            <a:cxnSpLocks/>
+            <a:endCxn id="16" idx="0"/>
+          </p:cNvCxnSpPr>
+          <p:nvPr/>
+        </p:nvCxnSpPr>
+        <p:spPr>
+          <a:xfrm flipH="1">
+            <a:off x="8354905" y="1593973"/>
+            <a:ext cx="6874" cy="687876"/>
+          </a:xfrm>
+          <a:prstGeom prst="straightConnector1">
+            <a:avLst/>
+          </a:prstGeom>
+          <a:ln w="19050">
+            <a:solidFill>
+              <a:schemeClr val="accent2">
+                <a:lumMod val="75000"/>
+                <a:lumOff val="25000"/>
+              </a:schemeClr>
+            </a:solidFill>
+            <a:headEnd type="none"/>
+            <a:tailEnd type="triangle" w="lg" len="med"/>
+          </a:ln>
+        </p:spPr>
+        <p:style>
+          <a:lnRef idx="1">
+            <a:schemeClr val="accent1"/>
+          </a:lnRef>
+          <a:fillRef idx="0">
+            <a:schemeClr val="accent1"/>
+          </a:fillRef>
+          <a:effectRef idx="0">
+            <a:schemeClr val="accent1"/>
+          </a:effectRef>
+          <a:fontRef idx="minor">
+            <a:schemeClr val="tx1"/>
+          </a:fontRef>
+        </p:style>
+      </p:cxnSp>
+      <p:pic>
+        <p:nvPicPr>
+          <p:cNvPr id="74" name="Picture 73">
+            <a:extLst>
+              <a:ext uri="{FF2B5EF4-FFF2-40B4-BE49-F238E27FC236}">
+                <a16:creationId xmlns:a16="http://schemas.microsoft.com/office/drawing/2014/main" id="{425EDCDD-4147-4C02-99C3-E5134E191F27}"/>
+              </a:ext>
+            </a:extLst>
+          </p:cNvPr>
+          <p:cNvPicPr>
+            <a:picLocks noChangeAspect="1"/>
+          </p:cNvPicPr>
+          <p:nvPr/>
+        </p:nvPicPr>
+        <p:blipFill>
+          <a:blip r:embed="rId6" cstate="print">
+            <a:extLst>
+              <a:ext uri="{28A0092B-C50C-407E-A947-70E740481C1C}">
+                <a14:useLocalDpi xmlns:a14="http://schemas.microsoft.com/office/drawing/2010/main" val="0"/>
+              </a:ext>
+            </a:extLst>
+          </a:blip>
+          <a:stretch>
+            <a:fillRect/>
+          </a:stretch>
+        </p:blipFill>
+        <p:spPr>
+          <a:xfrm>
+            <a:off x="10152994" y="5646343"/>
+            <a:ext cx="617657" cy="617657"/>
+          </a:xfrm>
+          <a:prstGeom prst="rect">
+            <a:avLst/>
+          </a:prstGeom>
+        </p:spPr>
+      </p:pic>
+      <p:cxnSp>
+        <p:nvCxnSpPr>
+          <p:cNvPr id="75" name="Straight Arrow Connector 74">
+            <a:extLst>
+              <a:ext uri="{FF2B5EF4-FFF2-40B4-BE49-F238E27FC236}">
+                <a16:creationId xmlns:a16="http://schemas.microsoft.com/office/drawing/2014/main" id="{F866C17C-255D-4251-9E25-10D6C7D17442}"/>
+              </a:ext>
+            </a:extLst>
+          </p:cNvPr>
+          <p:cNvCxnSpPr>
+            <a:cxnSpLocks/>
+            <a:stCxn id="74" idx="1"/>
+          </p:cNvCxnSpPr>
+          <p:nvPr/>
+        </p:nvCxnSpPr>
+        <p:spPr>
+          <a:xfrm flipH="1">
+            <a:off x="9366846" y="5955172"/>
+            <a:ext cx="786148" cy="696"/>
+          </a:xfrm>
+          <a:prstGeom prst="straightConnector1">
+            <a:avLst/>
+          </a:prstGeom>
+          <a:ln w="19050">
+            <a:solidFill>
+              <a:schemeClr val="accent2">
+                <a:lumMod val="75000"/>
+                <a:lumOff val="25000"/>
+              </a:schemeClr>
+            </a:solidFill>
+            <a:headEnd type="none"/>
+            <a:tailEnd type="triangle" w="lg" len="med"/>
+          </a:ln>
+        </p:spPr>
+        <p:style>
+          <a:lnRef idx="1">
+            <a:schemeClr val="accent1"/>
+          </a:lnRef>
+          <a:fillRef idx="0">
+            <a:schemeClr val="accent1"/>
+          </a:fillRef>
+          <a:effectRef idx="0">
+            <a:schemeClr val="accent1"/>
+          </a:effectRef>
+          <a:fontRef idx="minor">
+            <a:schemeClr val="tx1"/>
+          </a:fontRef>
+        </p:style>
+      </p:cxnSp>
+      <p:sp>
+        <p:nvSpPr>
+          <p:cNvPr id="81" name="TextBox 80">
+            <a:extLst>
+              <a:ext uri="{FF2B5EF4-FFF2-40B4-BE49-F238E27FC236}">
+                <a16:creationId xmlns:a16="http://schemas.microsoft.com/office/drawing/2014/main" id="{3AFC6F6C-725F-48C6-97C6-F4D0AA7417E3}"/>
+              </a:ext>
+            </a:extLst>
+          </p:cNvPr>
+          <p:cNvSpPr txBox="1"/>
+          <p:nvPr/>
+        </p:nvSpPr>
+        <p:spPr>
+          <a:xfrm>
+            <a:off x="9413021" y="6082130"/>
+            <a:ext cx="2072146" cy="627864"/>
+          </a:xfrm>
+          <a:prstGeom prst="rect">
+            <a:avLst/>
+          </a:prstGeom>
+          <a:noFill/>
+        </p:spPr>
+        <p:txBody>
+          <a:bodyPr wrap="square" lIns="182880" tIns="146304" rIns="182880" bIns="146304" rtlCol="0">
+            <a:spAutoFit/>
+          </a:bodyPr>
+          <a:lstStyle/>
+          <a:p>
+            <a:pPr algn="ctr">
+              <a:lnSpc>
+                <a:spcPct val="90000"/>
+              </a:lnSpc>
+            </a:pPr>
+            <a:r>
+              <a:rPr lang="en-IE" sz="1200" b="1" dirty="0">
+                <a:solidFill>
+                  <a:schemeClr val="bg1"/>
+                </a:solidFill>
+                <a:latin typeface="Segoe UI" panose="020B0502040204020203" pitchFamily="34" charset="0"/>
+                <a:cs typeface="Segoe UI" panose="020B0502040204020203" pitchFamily="34" charset="0"/>
+              </a:rPr>
+              <a:t>Cloud Witness</a:t>
+            </a:r>
+          </a:p>
+          <a:p>
+            <a:pPr algn="ctr">
+              <a:lnSpc>
+                <a:spcPct val="90000"/>
+              </a:lnSpc>
+            </a:pPr>
+            <a:r>
+              <a:rPr lang="en-IE" sz="1200" dirty="0">
+                <a:solidFill>
+                  <a:schemeClr val="bg1"/>
+                </a:solidFill>
+                <a:latin typeface="Segoe UI" panose="020B0502040204020203" pitchFamily="34" charset="0"/>
+                <a:cs typeface="Segoe UI" panose="020B0502040204020203" pitchFamily="34" charset="0"/>
+              </a:rPr>
+              <a:t>(Zone Redundant)</a:t>
+            </a:r>
+          </a:p>
+        </p:txBody>
+      </p:sp>
+      <p:sp>
+        <p:nvSpPr>
+          <p:cNvPr id="50" name="Rectangle: Rounded Corners 49">
+            <a:extLst>
+              <a:ext uri="{FF2B5EF4-FFF2-40B4-BE49-F238E27FC236}">
+                <a16:creationId xmlns:a16="http://schemas.microsoft.com/office/drawing/2014/main" id="{A1FC36B6-A904-431F-9F85-1073BC129CCC}"/>
+              </a:ext>
+            </a:extLst>
+          </p:cNvPr>
+          <p:cNvSpPr/>
+          <p:nvPr/>
+        </p:nvSpPr>
+        <p:spPr bwMode="auto">
+          <a:xfrm>
+            <a:off x="8597315" y="1948814"/>
+            <a:ext cx="910184" cy="4805822"/>
+          </a:xfrm>
+          <a:prstGeom prst="roundRect">
+            <a:avLst/>
+          </a:prstGeom>
+          <a:noFill/>
+          <a:ln w="19050">
+            <a:solidFill>
+              <a:srgbClr val="C00000"/>
+            </a:solidFill>
+            <a:headEnd type="none" w="med" len="med"/>
+            <a:tailEnd type="none" w="med" len="med"/>
+          </a:ln>
+          <a:effectLst/>
+        </p:spPr>
+        <p:style>
+          <a:lnRef idx="1">
+            <a:schemeClr val="accent2"/>
+          </a:lnRef>
+          <a:fillRef idx="3">
+            <a:schemeClr val="accent2"/>
+          </a:fillRef>
+          <a:effectRef idx="2">
+            <a:schemeClr val="accent2"/>
+          </a:effectRef>
+          <a:fontRef idx="minor">
+            <a:schemeClr val="lt1"/>
+          </a:fontRef>
+        </p:style>
+        <p:txBody>
+          <a:bodyPr rot="0" spcFirstLastPara="0" vertOverflow="overflow" horzOverflow="overflow" vert="horz" wrap="square" lIns="1944000" tIns="146304" rIns="36000" bIns="146304" numCol="1" spcCol="0" rtlCol="0" fromWordArt="0" anchor="ctr" anchorCtr="0" forceAA="0" compatLnSpc="1">
+            <a:prstTxWarp prst="textNoShape">
+              <a:avLst/>
+            </a:prstTxWarp>
+            <a:noAutofit/>
+          </a:bodyPr>
+          <a:lstStyle/>
+          <a:p>
+            <a:pPr defTabSz="932472" fontAlgn="base">
+              <a:lnSpc>
+                <a:spcPct val="90000"/>
+              </a:lnSpc>
+              <a:spcBef>
+                <a:spcPct val="0"/>
+              </a:spcBef>
+              <a:spcAft>
+                <a:spcPct val="0"/>
+              </a:spcAft>
+            </a:pPr>
+            <a:endParaRPr lang="en-IE" sz="1600" dirty="0">
+              <a:solidFill>
+                <a:srgbClr val="C00000"/>
+              </a:solidFill>
+              <a:latin typeface="Segoe UI" panose="020B0502040204020203" pitchFamily="34" charset="0"/>
+              <a:ea typeface="Segoe UI" panose="020B0502040204020203" pitchFamily="34" charset="0"/>
+              <a:cs typeface="Segoe UI" panose="020B0502040204020203" pitchFamily="34" charset="0"/>
+            </a:endParaRPr>
+          </a:p>
+        </p:txBody>
+      </p:sp>
+      <p:cxnSp>
+        <p:nvCxnSpPr>
+          <p:cNvPr id="45" name="Straight Arrow Connector 44">
+            <a:extLst>
+              <a:ext uri="{FF2B5EF4-FFF2-40B4-BE49-F238E27FC236}">
+                <a16:creationId xmlns:a16="http://schemas.microsoft.com/office/drawing/2014/main" id="{2D1490AB-219C-41C3-833F-B71AE4AF163A}"/>
+              </a:ext>
+            </a:extLst>
+          </p:cNvPr>
+          <p:cNvCxnSpPr>
+            <a:cxnSpLocks/>
+            <a:stCxn id="16" idx="2"/>
+            <a:endCxn id="31" idx="0"/>
+          </p:cNvCxnSpPr>
+          <p:nvPr/>
+        </p:nvCxnSpPr>
+        <p:spPr>
+          <a:xfrm flipH="1">
+            <a:off x="7702118" y="3062139"/>
+            <a:ext cx="652787" cy="803404"/>
+          </a:xfrm>
+          <a:prstGeom prst="straightConnector1">
+            <a:avLst/>
+          </a:prstGeom>
+          <a:ln w="19050">
+            <a:solidFill>
+              <a:schemeClr val="accent2">
+                <a:lumMod val="75000"/>
+                <a:lumOff val="25000"/>
+              </a:schemeClr>
+            </a:solidFill>
+            <a:headEnd type="none"/>
+            <a:tailEnd type="triangle" w="lg" len="med"/>
+          </a:ln>
+        </p:spPr>
+        <p:style>
+          <a:lnRef idx="1">
+            <a:schemeClr val="accent1"/>
+          </a:lnRef>
+          <a:fillRef idx="0">
+            <a:schemeClr val="accent1"/>
+          </a:fillRef>
+          <a:effectRef idx="0">
+            <a:schemeClr val="accent1"/>
+          </a:effectRef>
+          <a:fontRef idx="minor">
+            <a:schemeClr val="tx1"/>
+          </a:fontRef>
+        </p:style>
+      </p:cxnSp>
+      <p:cxnSp>
+        <p:nvCxnSpPr>
+          <p:cNvPr id="46" name="Straight Arrow Connector 45">
+            <a:extLst>
+              <a:ext uri="{FF2B5EF4-FFF2-40B4-BE49-F238E27FC236}">
+                <a16:creationId xmlns:a16="http://schemas.microsoft.com/office/drawing/2014/main" id="{895376EC-A378-4173-A9AA-C39959E2069C}"/>
+              </a:ext>
+            </a:extLst>
+          </p:cNvPr>
+          <p:cNvCxnSpPr>
+            <a:cxnSpLocks/>
+            <a:stCxn id="16" idx="2"/>
+            <a:endCxn id="32" idx="0"/>
+          </p:cNvCxnSpPr>
+          <p:nvPr/>
+        </p:nvCxnSpPr>
+        <p:spPr>
+          <a:xfrm>
+            <a:off x="8354905" y="3062139"/>
+            <a:ext cx="712002" cy="803404"/>
+          </a:xfrm>
+          <a:prstGeom prst="straightConnector1">
+            <a:avLst/>
+          </a:prstGeom>
+          <a:ln w="19050">
+            <a:solidFill>
+              <a:schemeClr val="accent2">
+                <a:lumMod val="75000"/>
+                <a:lumOff val="25000"/>
+              </a:schemeClr>
+            </a:solidFill>
+            <a:headEnd type="none"/>
+            <a:tailEnd type="triangle" w="lg" len="med"/>
+          </a:ln>
+        </p:spPr>
+        <p:style>
+          <a:lnRef idx="1">
+            <a:schemeClr val="accent1"/>
+          </a:lnRef>
+          <a:fillRef idx="0">
+            <a:schemeClr val="accent1"/>
+          </a:fillRef>
+          <a:effectRef idx="0">
+            <a:schemeClr val="accent1"/>
+          </a:effectRef>
+          <a:fontRef idx="minor">
+            <a:schemeClr val="tx1"/>
+          </a:fontRef>
+        </p:style>
+      </p:cxnSp>
+      <p:sp>
+        <p:nvSpPr>
+          <p:cNvPr id="59" name="Rectangle: Rounded Corners 58">
+            <a:extLst>
+              <a:ext uri="{FF2B5EF4-FFF2-40B4-BE49-F238E27FC236}">
+                <a16:creationId xmlns:a16="http://schemas.microsoft.com/office/drawing/2014/main" id="{E7E97FE7-3B6C-445D-8332-106E672F745B}"/>
+              </a:ext>
+            </a:extLst>
+          </p:cNvPr>
+          <p:cNvSpPr/>
+          <p:nvPr/>
+        </p:nvSpPr>
+        <p:spPr bwMode="auto">
+          <a:xfrm>
+            <a:off x="8645927" y="5099315"/>
+            <a:ext cx="1103982" cy="414287"/>
+          </a:xfrm>
+          <a:prstGeom prst="roundRect">
+            <a:avLst>
+              <a:gd name="adj" fmla="val 37779"/>
+            </a:avLst>
+          </a:prstGeom>
+          <a:solidFill>
+            <a:srgbClr val="E6E6E6"/>
+          </a:solidFill>
+          <a:ln>
+            <a:noFill/>
+            <a:headEnd type="none" w="med" len="med"/>
+            <a:tailEnd type="none" w="med" len="med"/>
+          </a:ln>
+          <a:effectLst/>
+        </p:spPr>
+        <p:style>
+          <a:lnRef idx="1">
+            <a:schemeClr val="accent2"/>
+          </a:lnRef>
+          <a:fillRef idx="3">
+            <a:schemeClr val="accent2"/>
+          </a:fillRef>
+          <a:effectRef idx="2">
+            <a:schemeClr val="accent2"/>
+          </a:effectRef>
+          <a:fontRef idx="minor">
+            <a:schemeClr val="lt1"/>
+          </a:fontRef>
+        </p:style>
+        <p:txBody>
+          <a:bodyPr rot="0" spcFirstLastPara="0" vertOverflow="overflow" horzOverflow="overflow" vert="horz" wrap="square" lIns="182880" tIns="146304" rIns="182880" bIns="146304" numCol="1" spcCol="0" rtlCol="0" fromWordArt="0" anchor="t" anchorCtr="0" forceAA="0" compatLnSpc="1">
+            <a:prstTxWarp prst="textNoShape">
+              <a:avLst/>
+            </a:prstTxWarp>
+            <a:noAutofit/>
+          </a:bodyPr>
+          <a:lstStyle/>
+          <a:p>
+            <a:pPr algn="ctr" defTabSz="932472" fontAlgn="base">
+              <a:lnSpc>
+                <a:spcPct val="90000"/>
+              </a:lnSpc>
+              <a:spcBef>
+                <a:spcPct val="0"/>
+              </a:spcBef>
+              <a:spcAft>
+                <a:spcPct val="0"/>
+              </a:spcAft>
+            </a:pPr>
+            <a:endParaRPr lang="en-US" sz="2400" dirty="0" err="1">
+              <a:gradFill>
+                <a:gsLst>
+                  <a:gs pos="0">
+                    <a:srgbClr val="FFFFFF"/>
+                  </a:gs>
+                  <a:gs pos="100000">
+                    <a:srgbClr val="FFFFFF"/>
+                  </a:gs>
+                </a:gsLst>
+                <a:lin ang="5400000" scaled="0"/>
+              </a:gradFill>
+              <a:ea typeface="Segoe UI" pitchFamily="34" charset="0"/>
+              <a:cs typeface="Segoe UI" pitchFamily="34" charset="0"/>
+            </a:endParaRPr>
+          </a:p>
+        </p:txBody>
+      </p:sp>
+      <p:sp>
+        <p:nvSpPr>
+          <p:cNvPr id="67" name="TextBox 66">
+            <a:extLst>
+              <a:ext uri="{FF2B5EF4-FFF2-40B4-BE49-F238E27FC236}">
+                <a16:creationId xmlns:a16="http://schemas.microsoft.com/office/drawing/2014/main" id="{D9CD3DA8-E7ED-4C08-AE27-9C09D01C0B59}"/>
+              </a:ext>
+            </a:extLst>
+          </p:cNvPr>
+          <p:cNvSpPr txBox="1"/>
+          <p:nvPr/>
+        </p:nvSpPr>
+        <p:spPr>
+          <a:xfrm>
+            <a:off x="8485972" y="5012696"/>
+            <a:ext cx="2080099" cy="627864"/>
+          </a:xfrm>
+          <a:prstGeom prst="rect">
+            <a:avLst/>
+          </a:prstGeom>
+          <a:noFill/>
+        </p:spPr>
+        <p:txBody>
+          <a:bodyPr wrap="square" lIns="182880" tIns="146304" rIns="182880" bIns="146304" rtlCol="0">
+            <a:spAutoFit/>
+          </a:bodyPr>
+          <a:lstStyle/>
+          <a:p>
+            <a:pPr>
+              <a:lnSpc>
+                <a:spcPct val="90000"/>
+              </a:lnSpc>
+            </a:pPr>
+            <a:r>
+              <a:rPr lang="en-IE" sz="1200" b="1" dirty="0">
+                <a:solidFill>
+                  <a:schemeClr val="bg1"/>
+                </a:solidFill>
+                <a:latin typeface="Segoe UI" panose="020B0502040204020203" pitchFamily="34" charset="0"/>
+                <a:cs typeface="Segoe UI" panose="020B0502040204020203" pitchFamily="34" charset="0"/>
+              </a:rPr>
+              <a:t>Internal Load Balancer</a:t>
+            </a:r>
+            <a:br>
+              <a:rPr lang="en-IE" sz="1200" b="1" dirty="0">
+                <a:solidFill>
+                  <a:schemeClr val="bg1"/>
+                </a:solidFill>
+                <a:latin typeface="Segoe UI" panose="020B0502040204020203" pitchFamily="34" charset="0"/>
+                <a:cs typeface="Segoe UI" panose="020B0502040204020203" pitchFamily="34" charset="0"/>
+              </a:rPr>
+            </a:br>
+            <a:r>
+              <a:rPr lang="en-IE" sz="1200" dirty="0">
+                <a:solidFill>
+                  <a:schemeClr val="bg1"/>
+                </a:solidFill>
+                <a:latin typeface="Segoe UI" panose="020B0502040204020203" pitchFamily="34" charset="0"/>
+                <a:cs typeface="Segoe UI" panose="020B0502040204020203" pitchFamily="34" charset="0"/>
+              </a:rPr>
+              <a:t>Direct Server Return</a:t>
+            </a:r>
+          </a:p>
+        </p:txBody>
+      </p:sp>
+      <p:grpSp>
+        <p:nvGrpSpPr>
+          <p:cNvPr id="27" name="Group 26">
+            <a:extLst>
+              <a:ext uri="{FF2B5EF4-FFF2-40B4-BE49-F238E27FC236}">
+                <a16:creationId xmlns:a16="http://schemas.microsoft.com/office/drawing/2014/main" id="{479E397B-A4C3-467F-B7C5-82757B1EAEE5}"/>
+              </a:ext>
+            </a:extLst>
+          </p:cNvPr>
+          <p:cNvGrpSpPr/>
+          <p:nvPr/>
+        </p:nvGrpSpPr>
+        <p:grpSpPr>
+          <a:xfrm>
+            <a:off x="8076564" y="5048908"/>
+            <a:ext cx="544766" cy="544766"/>
+            <a:chOff x="13665489" y="2568119"/>
+            <a:chExt cx="780290" cy="780290"/>
+          </a:xfrm>
+        </p:grpSpPr>
+        <p:sp>
+          <p:nvSpPr>
+            <p:cNvPr id="25" name="Rectangle 24">
+              <a:extLst>
+                <a:ext uri="{FF2B5EF4-FFF2-40B4-BE49-F238E27FC236}">
+                  <a16:creationId xmlns:a16="http://schemas.microsoft.com/office/drawing/2014/main" id="{BBD67EC6-B063-427E-BFC3-D5EA62694B63}"/>
+                </a:ext>
+              </a:extLst>
+            </p:cNvPr>
+            <p:cNvSpPr/>
+            <p:nvPr/>
+          </p:nvSpPr>
+          <p:spPr bwMode="auto">
+            <a:xfrm rot="2700000">
+              <a:off x="13771443" y="2682210"/>
+              <a:ext cx="581425" cy="565152"/>
+            </a:xfrm>
+            <a:prstGeom prst="rect">
+              <a:avLst/>
+            </a:prstGeom>
+            <a:solidFill>
+              <a:schemeClr val="tx1"/>
+            </a:solidFill>
+            <a:ln>
+              <a:noFill/>
+              <a:headEnd type="none" w="med" len="med"/>
+              <a:tailEnd type="none" w="med" len="med"/>
+            </a:ln>
+            <a:effectLst/>
+          </p:spPr>
+          <p:style>
+            <a:lnRef idx="1">
+              <a:schemeClr val="accent2"/>
+            </a:lnRef>
+            <a:fillRef idx="3">
+              <a:schemeClr val="accent2"/>
+            </a:fillRef>
+            <a:effectRef idx="2">
+              <a:schemeClr val="accent2"/>
+            </a:effectRef>
+            <a:fontRef idx="minor">
+              <a:schemeClr val="lt1"/>
+            </a:fontRef>
+          </p:style>
+          <p:txBody>
+            <a:bodyPr rot="0" spcFirstLastPara="0" vertOverflow="overflow" horzOverflow="overflow" vert="horz" wrap="square" lIns="182880" tIns="146304" rIns="182880" bIns="146304" numCol="1" spcCol="0" rtlCol="0" fromWordArt="0" anchor="t" anchorCtr="0" forceAA="0" compatLnSpc="1">
+              <a:prstTxWarp prst="textNoShape">
+                <a:avLst/>
+              </a:prstTxWarp>
+              <a:noAutofit/>
+            </a:bodyPr>
+            <a:lstStyle/>
+            <a:p>
+              <a:pPr algn="ctr" defTabSz="932472" fontAlgn="base">
+                <a:lnSpc>
+                  <a:spcPct val="90000"/>
+                </a:lnSpc>
+                <a:spcBef>
+                  <a:spcPct val="0"/>
+                </a:spcBef>
+                <a:spcAft>
+                  <a:spcPct val="0"/>
+                </a:spcAft>
+              </a:pPr>
+              <a:endParaRPr lang="en-IE" sz="2400" dirty="0" err="1">
+                <a:gradFill>
+                  <a:gsLst>
+                    <a:gs pos="0">
+                      <a:srgbClr val="FFFFFF"/>
+                    </a:gs>
+                    <a:gs pos="100000">
+                      <a:srgbClr val="FFFFFF"/>
+                    </a:gs>
+                  </a:gsLst>
+                  <a:lin ang="5400000" scaled="0"/>
+                </a:gradFill>
+                <a:ea typeface="Segoe UI" pitchFamily="34" charset="0"/>
+                <a:cs typeface="Segoe UI" pitchFamily="34" charset="0"/>
+              </a:endParaRPr>
+            </a:p>
+          </p:txBody>
+        </p:sp>
+        <p:pic>
+          <p:nvPicPr>
+            <p:cNvPr id="22" name="Picture 21">
+              <a:extLst>
+                <a:ext uri="{FF2B5EF4-FFF2-40B4-BE49-F238E27FC236}">
+                  <a16:creationId xmlns:a16="http://schemas.microsoft.com/office/drawing/2014/main" id="{2B8EFEBA-7F8D-4E4B-97A0-5367280D68A1}"/>
+                </a:ext>
+              </a:extLst>
+            </p:cNvPr>
+            <p:cNvPicPr>
+              <a:picLocks noChangeAspect="1"/>
+            </p:cNvPicPr>
+            <p:nvPr/>
+          </p:nvPicPr>
+          <p:blipFill>
+            <a:blip r:embed="rId7" cstate="print">
+              <a:extLst>
+                <a:ext uri="{28A0092B-C50C-407E-A947-70E740481C1C}">
+                  <a14:useLocalDpi xmlns:a14="http://schemas.microsoft.com/office/drawing/2010/main" val="0"/>
+                </a:ext>
+              </a:extLst>
+            </a:blip>
+            <a:stretch>
+              <a:fillRect/>
+            </a:stretch>
+          </p:blipFill>
+          <p:spPr>
+            <a:xfrm>
+              <a:off x="13665489" y="2568119"/>
+              <a:ext cx="780290" cy="780290"/>
+            </a:xfrm>
+            <a:prstGeom prst="rect">
+              <a:avLst/>
+            </a:prstGeom>
+          </p:spPr>
+        </p:pic>
+      </p:grpSp>
+      <p:cxnSp>
+        <p:nvCxnSpPr>
+          <p:cNvPr id="58" name="Straight Arrow Connector 57">
+            <a:extLst>
+              <a:ext uri="{FF2B5EF4-FFF2-40B4-BE49-F238E27FC236}">
+                <a16:creationId xmlns:a16="http://schemas.microsoft.com/office/drawing/2014/main" id="{BDE02F74-EF6A-4699-A54B-3263DFB189D1}"/>
+              </a:ext>
+            </a:extLst>
+          </p:cNvPr>
+          <p:cNvCxnSpPr>
+            <a:cxnSpLocks/>
+            <a:stCxn id="22" idx="2"/>
+            <a:endCxn id="34" idx="0"/>
+          </p:cNvCxnSpPr>
+          <p:nvPr/>
+        </p:nvCxnSpPr>
+        <p:spPr>
+          <a:xfrm>
+            <a:off x="8348947" y="5593674"/>
+            <a:ext cx="712037" cy="168942"/>
+          </a:xfrm>
+          <a:prstGeom prst="straightConnector1">
+            <a:avLst/>
+          </a:prstGeom>
+          <a:ln w="19050">
+            <a:solidFill>
+              <a:schemeClr val="accent2">
+                <a:lumMod val="75000"/>
+                <a:lumOff val="25000"/>
+              </a:schemeClr>
+            </a:solidFill>
+            <a:headEnd type="none"/>
+            <a:tailEnd type="triangle" w="lg" len="med"/>
+          </a:ln>
+        </p:spPr>
+        <p:style>
+          <a:lnRef idx="1">
+            <a:schemeClr val="accent1"/>
+          </a:lnRef>
+          <a:fillRef idx="0">
+            <a:schemeClr val="accent1"/>
+          </a:fillRef>
+          <a:effectRef idx="0">
+            <a:schemeClr val="accent1"/>
+          </a:effectRef>
+          <a:fontRef idx="minor">
+            <a:schemeClr val="tx1"/>
+          </a:fontRef>
+        </p:style>
+      </p:cxnSp>
+      <p:cxnSp>
+        <p:nvCxnSpPr>
+          <p:cNvPr id="52" name="Straight Arrow Connector 51">
+            <a:extLst>
+              <a:ext uri="{FF2B5EF4-FFF2-40B4-BE49-F238E27FC236}">
+                <a16:creationId xmlns:a16="http://schemas.microsoft.com/office/drawing/2014/main" id="{A09E2B12-3F2A-4153-A2C3-839D975803CF}"/>
+              </a:ext>
+            </a:extLst>
+          </p:cNvPr>
+          <p:cNvCxnSpPr>
+            <a:cxnSpLocks/>
+            <a:stCxn id="32" idx="2"/>
+          </p:cNvCxnSpPr>
+          <p:nvPr/>
+        </p:nvCxnSpPr>
+        <p:spPr>
+          <a:xfrm flipH="1">
+            <a:off x="8456656" y="4516966"/>
+            <a:ext cx="610251" cy="616128"/>
+          </a:xfrm>
+          <a:prstGeom prst="straightConnector1">
+            <a:avLst/>
+          </a:prstGeom>
+          <a:ln w="19050">
+            <a:solidFill>
+              <a:schemeClr val="accent2">
+                <a:lumMod val="75000"/>
+                <a:lumOff val="25000"/>
+              </a:schemeClr>
+            </a:solidFill>
+            <a:headEnd type="none"/>
+            <a:tailEnd type="triangle" w="lg" len="med"/>
+          </a:ln>
+        </p:spPr>
+        <p:style>
+          <a:lnRef idx="1">
+            <a:schemeClr val="accent1"/>
+          </a:lnRef>
+          <a:fillRef idx="0">
+            <a:schemeClr val="accent1"/>
+          </a:fillRef>
+          <a:effectRef idx="0">
+            <a:schemeClr val="accent1"/>
+          </a:effectRef>
+          <a:fontRef idx="minor">
+            <a:schemeClr val="tx1"/>
+          </a:fontRef>
+        </p:style>
+      </p:cxnSp>
+      <p:sp>
+        <p:nvSpPr>
+          <p:cNvPr id="57" name="Rectangle 56">
+            <a:extLst>
+              <a:ext uri="{FF2B5EF4-FFF2-40B4-BE49-F238E27FC236}">
+                <a16:creationId xmlns:a16="http://schemas.microsoft.com/office/drawing/2014/main" id="{ADF3651B-EC07-41BA-AF87-E9EF21B904F5}"/>
+              </a:ext>
+            </a:extLst>
+          </p:cNvPr>
+          <p:cNvSpPr/>
+          <p:nvPr/>
+        </p:nvSpPr>
+        <p:spPr bwMode="auto">
+          <a:xfrm>
+            <a:off x="8759246" y="2260599"/>
+            <a:ext cx="981254" cy="810754"/>
+          </a:xfrm>
+          <a:prstGeom prst="rect">
+            <a:avLst/>
+          </a:prstGeom>
+          <a:solidFill>
+            <a:srgbClr val="E6E6E6"/>
+          </a:solidFill>
+          <a:ln>
+            <a:noFill/>
+            <a:headEnd type="none" w="med" len="med"/>
+            <a:tailEnd type="none" w="med" len="med"/>
+          </a:ln>
+          <a:effectLst/>
+        </p:spPr>
+        <p:style>
+          <a:lnRef idx="1">
+            <a:schemeClr val="accent2"/>
+          </a:lnRef>
+          <a:fillRef idx="3">
+            <a:schemeClr val="accent2"/>
+          </a:fillRef>
+          <a:effectRef idx="2">
+            <a:schemeClr val="accent2"/>
+          </a:effectRef>
+          <a:fontRef idx="minor">
+            <a:schemeClr val="lt1"/>
+          </a:fontRef>
+        </p:style>
+        <p:txBody>
+          <a:bodyPr rot="0" spcFirstLastPara="0" vertOverflow="overflow" horzOverflow="overflow" vert="horz" wrap="square" lIns="182880" tIns="146304" rIns="182880" bIns="146304" numCol="1" spcCol="0" rtlCol="0" fromWordArt="0" anchor="t" anchorCtr="0" forceAA="0" compatLnSpc="1">
+            <a:prstTxWarp prst="textNoShape">
+              <a:avLst/>
+            </a:prstTxWarp>
+            <a:noAutofit/>
+          </a:bodyPr>
+          <a:lstStyle/>
+          <a:p>
+            <a:pPr algn="ctr" defTabSz="932472" fontAlgn="base">
+              <a:lnSpc>
+                <a:spcPct val="90000"/>
+              </a:lnSpc>
+              <a:spcBef>
+                <a:spcPct val="0"/>
+              </a:spcBef>
+              <a:spcAft>
+                <a:spcPct val="0"/>
+              </a:spcAft>
+            </a:pPr>
+            <a:endParaRPr lang="en-US" sz="2400" dirty="0" err="1">
+              <a:gradFill>
+                <a:gsLst>
+                  <a:gs pos="0">
+                    <a:srgbClr val="FFFFFF"/>
+                  </a:gs>
+                  <a:gs pos="100000">
+                    <a:srgbClr val="FFFFFF"/>
+                  </a:gs>
+                </a:gsLst>
+                <a:lin ang="5400000" scaled="0"/>
+              </a:gradFill>
+              <a:ea typeface="Segoe UI" pitchFamily="34" charset="0"/>
+              <a:cs typeface="Segoe UI" pitchFamily="34" charset="0"/>
+            </a:endParaRPr>
+          </a:p>
+        </p:txBody>
+      </p:sp>
+      <p:sp>
+        <p:nvSpPr>
+          <p:cNvPr id="66" name="TextBox 65">
+            <a:extLst>
+              <a:ext uri="{FF2B5EF4-FFF2-40B4-BE49-F238E27FC236}">
+                <a16:creationId xmlns:a16="http://schemas.microsoft.com/office/drawing/2014/main" id="{4689FB1D-E720-40AA-ABCD-7566C65AFCBB}"/>
+              </a:ext>
+            </a:extLst>
+          </p:cNvPr>
+          <p:cNvSpPr txBox="1"/>
+          <p:nvPr/>
+        </p:nvSpPr>
+        <p:spPr>
+          <a:xfrm>
+            <a:off x="8702610" y="2146149"/>
+            <a:ext cx="2119106" cy="1071062"/>
+          </a:xfrm>
+          <a:prstGeom prst="rect">
+            <a:avLst/>
+          </a:prstGeom>
+          <a:noFill/>
+        </p:spPr>
+        <p:txBody>
+          <a:bodyPr wrap="none" lIns="182880" tIns="146304" rIns="182880" bIns="146304" rtlCol="0">
+            <a:spAutoFit/>
+          </a:bodyPr>
+          <a:lstStyle/>
+          <a:p>
+            <a:pPr>
+              <a:lnSpc>
+                <a:spcPct val="90000"/>
+              </a:lnSpc>
+            </a:pPr>
+            <a:r>
+              <a:rPr lang="en-IE" sz="1400" b="1" dirty="0">
+                <a:solidFill>
+                  <a:schemeClr val="bg1"/>
+                </a:solidFill>
+                <a:latin typeface="Segoe UI" panose="020B0502040204020203" pitchFamily="34" charset="0"/>
+                <a:cs typeface="Segoe UI" panose="020B0502040204020203" pitchFamily="34" charset="0"/>
+              </a:rPr>
+              <a:t>Application Gateway</a:t>
+            </a:r>
+            <a:br>
+              <a:rPr lang="en-IE" sz="1400" b="1" dirty="0">
+                <a:solidFill>
+                  <a:schemeClr val="bg1"/>
+                </a:solidFill>
+                <a:latin typeface="Segoe UI" panose="020B0502040204020203" pitchFamily="34" charset="0"/>
+                <a:cs typeface="Segoe UI" panose="020B0502040204020203" pitchFamily="34" charset="0"/>
+              </a:rPr>
+            </a:br>
+            <a:r>
+              <a:rPr lang="en-IE" sz="1400" dirty="0">
+                <a:solidFill>
+                  <a:schemeClr val="bg1"/>
+                </a:solidFill>
+                <a:latin typeface="Segoe UI" panose="020B0502040204020203" pitchFamily="34" charset="0"/>
+                <a:cs typeface="Segoe UI" panose="020B0502040204020203" pitchFamily="34" charset="0"/>
+              </a:rPr>
+              <a:t>Static internal IP</a:t>
+            </a:r>
+            <a:br>
+              <a:rPr lang="en-IE" sz="1400" b="1" dirty="0">
+                <a:solidFill>
+                  <a:schemeClr val="bg1"/>
+                </a:solidFill>
+                <a:latin typeface="Segoe UI" panose="020B0502040204020203" pitchFamily="34" charset="0"/>
+                <a:cs typeface="Segoe UI" panose="020B0502040204020203" pitchFamily="34" charset="0"/>
+              </a:rPr>
+            </a:br>
+            <a:r>
+              <a:rPr lang="en-IE" sz="1400" dirty="0">
+                <a:solidFill>
+                  <a:schemeClr val="bg1"/>
+                </a:solidFill>
+                <a:latin typeface="Segoe UI" panose="020B0502040204020203" pitchFamily="34" charset="0"/>
+                <a:cs typeface="Segoe UI" panose="020B0502040204020203" pitchFamily="34" charset="0"/>
+              </a:rPr>
+              <a:t>Cookie affinity </a:t>
+            </a:r>
+          </a:p>
+          <a:p>
+            <a:pPr>
+              <a:lnSpc>
+                <a:spcPct val="90000"/>
+              </a:lnSpc>
+              <a:spcAft>
+                <a:spcPts val="600"/>
+              </a:spcAft>
+            </a:pPr>
+            <a:r>
+              <a:rPr lang="en-IE" sz="1400" dirty="0">
+                <a:solidFill>
+                  <a:schemeClr val="bg1"/>
+                </a:solidFill>
+                <a:latin typeface="Segoe UI" panose="020B0502040204020203" pitchFamily="34" charset="0"/>
+                <a:cs typeface="Segoe UI" panose="020B0502040204020203" pitchFamily="34" charset="0"/>
+              </a:rPr>
+              <a:t>Zone redundant</a:t>
+            </a:r>
+          </a:p>
+        </p:txBody>
+      </p:sp>
+      <p:grpSp>
+        <p:nvGrpSpPr>
+          <p:cNvPr id="20" name="Group 19">
+            <a:extLst>
+              <a:ext uri="{FF2B5EF4-FFF2-40B4-BE49-F238E27FC236}">
+                <a16:creationId xmlns:a16="http://schemas.microsoft.com/office/drawing/2014/main" id="{11E397B6-E25B-4A03-9E84-98957ADBFC4D}"/>
+              </a:ext>
+            </a:extLst>
+          </p:cNvPr>
+          <p:cNvGrpSpPr/>
+          <p:nvPr/>
+        </p:nvGrpSpPr>
+        <p:grpSpPr>
+          <a:xfrm>
+            <a:off x="7964760" y="2281849"/>
+            <a:ext cx="780290" cy="780290"/>
+            <a:chOff x="12667208" y="2405066"/>
+            <a:chExt cx="780290" cy="780290"/>
+          </a:xfrm>
+        </p:grpSpPr>
+        <p:sp>
+          <p:nvSpPr>
+            <p:cNvPr id="19" name="Rectangle 18">
+              <a:extLst>
+                <a:ext uri="{FF2B5EF4-FFF2-40B4-BE49-F238E27FC236}">
+                  <a16:creationId xmlns:a16="http://schemas.microsoft.com/office/drawing/2014/main" id="{09545506-389C-4735-A390-F6CA986050EA}"/>
+                </a:ext>
+              </a:extLst>
+            </p:cNvPr>
+            <p:cNvSpPr/>
+            <p:nvPr/>
+          </p:nvSpPr>
+          <p:spPr bwMode="auto">
+            <a:xfrm rot="2700000">
+              <a:off x="12768828" y="2515830"/>
+              <a:ext cx="581425" cy="565152"/>
+            </a:xfrm>
+            <a:prstGeom prst="rect">
+              <a:avLst/>
+            </a:prstGeom>
+            <a:solidFill>
+              <a:schemeClr val="tx1"/>
+            </a:solidFill>
+            <a:ln>
+              <a:noFill/>
+              <a:headEnd type="none" w="med" len="med"/>
+              <a:tailEnd type="none" w="med" len="med"/>
+            </a:ln>
+            <a:effectLst/>
+          </p:spPr>
+          <p:style>
+            <a:lnRef idx="1">
+              <a:schemeClr val="accent2"/>
+            </a:lnRef>
+            <a:fillRef idx="3">
+              <a:schemeClr val="accent2"/>
+            </a:fillRef>
+            <a:effectRef idx="2">
+              <a:schemeClr val="accent2"/>
+            </a:effectRef>
+            <a:fontRef idx="minor">
+              <a:schemeClr val="lt1"/>
+            </a:fontRef>
+          </p:style>
+          <p:txBody>
+            <a:bodyPr rot="0" spcFirstLastPara="0" vertOverflow="overflow" horzOverflow="overflow" vert="horz" wrap="square" lIns="182880" tIns="146304" rIns="182880" bIns="146304" numCol="1" spcCol="0" rtlCol="0" fromWordArt="0" anchor="t" anchorCtr="0" forceAA="0" compatLnSpc="1">
+              <a:prstTxWarp prst="textNoShape">
+                <a:avLst/>
+              </a:prstTxWarp>
+              <a:noAutofit/>
+            </a:bodyPr>
+            <a:lstStyle/>
+            <a:p>
+              <a:pPr algn="ctr" defTabSz="932472" fontAlgn="base">
+                <a:lnSpc>
+                  <a:spcPct val="90000"/>
+                </a:lnSpc>
+                <a:spcBef>
+                  <a:spcPct val="0"/>
+                </a:spcBef>
+                <a:spcAft>
+                  <a:spcPct val="0"/>
+                </a:spcAft>
+              </a:pPr>
+              <a:endParaRPr lang="en-IE" sz="2400" dirty="0" err="1">
+                <a:gradFill>
+                  <a:gsLst>
+                    <a:gs pos="0">
+                      <a:srgbClr val="FFFFFF"/>
+                    </a:gs>
+                    <a:gs pos="100000">
+                      <a:srgbClr val="FFFFFF"/>
+                    </a:gs>
+                  </a:gsLst>
+                  <a:lin ang="5400000" scaled="0"/>
+                </a:gradFill>
+                <a:ea typeface="Segoe UI" pitchFamily="34" charset="0"/>
+                <a:cs typeface="Segoe UI" pitchFamily="34" charset="0"/>
+              </a:endParaRPr>
+            </a:p>
+          </p:txBody>
+        </p:sp>
+        <p:pic>
+          <p:nvPicPr>
+            <p:cNvPr id="16" name="Picture 15">
+              <a:extLst>
+                <a:ext uri="{FF2B5EF4-FFF2-40B4-BE49-F238E27FC236}">
+                  <a16:creationId xmlns:a16="http://schemas.microsoft.com/office/drawing/2014/main" id="{85F4C00E-4022-42F2-AAEC-27633C83A072}"/>
+                </a:ext>
+              </a:extLst>
+            </p:cNvPr>
+            <p:cNvPicPr>
+              <a:picLocks noChangeAspect="1"/>
+            </p:cNvPicPr>
+            <p:nvPr/>
+          </p:nvPicPr>
+          <p:blipFill>
+            <a:blip r:embed="rId8" cstate="print">
+              <a:extLst>
+                <a:ext uri="{28A0092B-C50C-407E-A947-70E740481C1C}">
+                  <a14:useLocalDpi xmlns:a14="http://schemas.microsoft.com/office/drawing/2010/main" val="0"/>
+                </a:ext>
+              </a:extLst>
+            </a:blip>
+            <a:stretch>
+              <a:fillRect/>
+            </a:stretch>
+          </p:blipFill>
+          <p:spPr>
+            <a:xfrm>
+              <a:off x="12667208" y="2405066"/>
+              <a:ext cx="780290" cy="780290"/>
+            </a:xfrm>
+            <a:prstGeom prst="rect">
+              <a:avLst/>
+            </a:prstGeom>
+          </p:spPr>
+        </p:pic>
+      </p:grpSp>
+      <p:sp>
+        <p:nvSpPr>
+          <p:cNvPr id="62" name="TextBox 61">
+            <a:extLst>
+              <a:ext uri="{FF2B5EF4-FFF2-40B4-BE49-F238E27FC236}">
+                <a16:creationId xmlns:a16="http://schemas.microsoft.com/office/drawing/2014/main" id="{75867190-CD17-41E0-8519-3853BEA84718}"/>
+              </a:ext>
+            </a:extLst>
+          </p:cNvPr>
+          <p:cNvSpPr txBox="1"/>
+          <p:nvPr/>
+        </p:nvSpPr>
+        <p:spPr>
+          <a:xfrm>
+            <a:off x="7247440" y="1611183"/>
+            <a:ext cx="946413" cy="489365"/>
+          </a:xfrm>
+          <a:prstGeom prst="rect">
+            <a:avLst/>
+          </a:prstGeom>
+          <a:noFill/>
+        </p:spPr>
+        <p:txBody>
+          <a:bodyPr wrap="none" lIns="182880" tIns="146304" rIns="182880" bIns="146304" rtlCol="0">
+            <a:spAutoFit/>
+          </a:bodyPr>
+          <a:lstStyle/>
+          <a:p>
+            <a:pPr>
+              <a:lnSpc>
+                <a:spcPct val="90000"/>
+              </a:lnSpc>
+              <a:spcAft>
+                <a:spcPts val="600"/>
+              </a:spcAft>
+            </a:pPr>
+            <a:r>
+              <a:rPr lang="en-IE" sz="1400" b="1" dirty="0">
+                <a:solidFill>
+                  <a:schemeClr val="bg1"/>
+                </a:solidFill>
+                <a:latin typeface="Segoe UI" panose="020B0502040204020203" pitchFamily="34" charset="0"/>
+                <a:cs typeface="Segoe UI" panose="020B0502040204020203" pitchFamily="34" charset="0"/>
+              </a:rPr>
+              <a:t>Zone 1</a:t>
+            </a:r>
+            <a:endParaRPr lang="en-IE" sz="1400" dirty="0">
+              <a:solidFill>
+                <a:schemeClr val="bg1"/>
+              </a:solidFill>
+              <a:latin typeface="Segoe UI" panose="020B0502040204020203" pitchFamily="34" charset="0"/>
+              <a:cs typeface="Segoe UI" panose="020B0502040204020203" pitchFamily="34" charset="0"/>
+            </a:endParaRPr>
+          </a:p>
+        </p:txBody>
+      </p:sp>
+      <p:sp>
+        <p:nvSpPr>
+          <p:cNvPr id="63" name="TextBox 62">
+            <a:extLst>
+              <a:ext uri="{FF2B5EF4-FFF2-40B4-BE49-F238E27FC236}">
+                <a16:creationId xmlns:a16="http://schemas.microsoft.com/office/drawing/2014/main" id="{BB66D129-BCA4-458C-99AB-2F9CC8F3D7EB}"/>
+              </a:ext>
+            </a:extLst>
+          </p:cNvPr>
+          <p:cNvSpPr txBox="1"/>
+          <p:nvPr/>
+        </p:nvSpPr>
+        <p:spPr>
+          <a:xfrm>
+            <a:off x="8611485" y="1638357"/>
+            <a:ext cx="946413" cy="489365"/>
+          </a:xfrm>
+          <a:prstGeom prst="rect">
+            <a:avLst/>
+          </a:prstGeom>
+          <a:noFill/>
+        </p:spPr>
+        <p:txBody>
+          <a:bodyPr wrap="none" lIns="182880" tIns="146304" rIns="182880" bIns="146304" rtlCol="0">
+            <a:spAutoFit/>
+          </a:bodyPr>
+          <a:lstStyle/>
+          <a:p>
+            <a:pPr>
+              <a:lnSpc>
+                <a:spcPct val="90000"/>
+              </a:lnSpc>
+              <a:spcAft>
+                <a:spcPts val="600"/>
+              </a:spcAft>
+            </a:pPr>
+            <a:r>
+              <a:rPr lang="en-IE" sz="1400" b="1" dirty="0">
+                <a:solidFill>
+                  <a:schemeClr val="bg1"/>
+                </a:solidFill>
+                <a:latin typeface="Segoe UI" panose="020B0502040204020203" pitchFamily="34" charset="0"/>
+                <a:cs typeface="Segoe UI" panose="020B0502040204020203" pitchFamily="34" charset="0"/>
+              </a:rPr>
+              <a:t>Zone 2</a:t>
+            </a:r>
+            <a:endParaRPr lang="en-IE" sz="1400" dirty="0">
+              <a:solidFill>
+                <a:schemeClr val="bg1"/>
+              </a:solidFill>
+              <a:latin typeface="Segoe UI" panose="020B0502040204020203" pitchFamily="34" charset="0"/>
+              <a:cs typeface="Segoe UI" panose="020B0502040204020203" pitchFamily="34" charset="0"/>
+            </a:endParaRPr>
           </a:p>
         </p:txBody>
       </p:sp>
     </p:spTree>
     <p:extLst>
       <p:ext uri="{BB962C8B-B14F-4D97-AF65-F5344CB8AC3E}">
-        <p14:creationId xmlns:p14="http://schemas.microsoft.com/office/powerpoint/2010/main" val="568998234"/>
+        <p14:creationId xmlns:p14="http://schemas.microsoft.com/office/powerpoint/2010/main" val="2286270219"/>
       </p:ext>
     </p:extLst>
   </p:cSld>

--- a/Whiteboard design session/resources/image source.pptx
+++ b/Whiteboard design session/resources/image source.pptx
@@ -5,10 +5,10 @@
     <p:sldMasterId id="2147483665" r:id="rId1"/>
   </p:sldMasterIdLst>
   <p:notesMasterIdLst>
-    <p:notesMasterId r:id="rId14"/>
+    <p:notesMasterId r:id="rId15"/>
   </p:notesMasterIdLst>
   <p:handoutMasterIdLst>
-    <p:handoutMasterId r:id="rId15"/>
+    <p:handoutMasterId r:id="rId16"/>
   </p:handoutMasterIdLst>
   <p:sldIdLst>
     <p:sldId id="300" r:id="rId2"/>
@@ -23,6 +23,7 @@
     <p:sldId id="345" r:id="rId11"/>
     <p:sldId id="374" r:id="rId12"/>
     <p:sldId id="376" r:id="rId13"/>
+    <p:sldId id="380" r:id="rId14"/>
   </p:sldIdLst>
   <p:sldSz cx="12192000" cy="6858000"/>
   <p:notesSz cx="6858000" cy="9144000"/>
@@ -232,7 +233,7 @@
           <a:p>
             <a:fld id="{0B4ED74A-224F-4188-850E-AD5C4B751E0D}" type="datetimeFigureOut">
               <a:rPr lang="en-US" smtClean="0"/>
-              <a:t>12/19/2018</a:t>
+              <a:t>1/21/2019</a:t>
             </a:fld>
             <a:endParaRPr lang="en-US" dirty="0"/>
           </a:p>
@@ -409,7 +410,7 @@
           <a:p>
             <a:fld id="{52A13B17-C506-4D51-BB37-16B365906619}" type="datetimeFigureOut">
               <a:rPr lang="en-US" smtClean="0"/>
-              <a:t>12/19/2018</a:t>
+              <a:t>1/21/2019</a:t>
             </a:fld>
             <a:endParaRPr lang="en-US" dirty="0"/>
           </a:p>
@@ -1212,6 +1213,125 @@
     <p:extLst>
       <p:ext uri="{BB962C8B-B14F-4D97-AF65-F5344CB8AC3E}">
         <p14:creationId xmlns:p14="http://schemas.microsoft.com/office/powerpoint/2010/main" val="2533586462"/>
+      </p:ext>
+    </p:extLst>
+  </p:cSld>
+  <p:clrMapOvr>
+    <a:masterClrMapping/>
+  </p:clrMapOvr>
+</p:notes>
+</file>
+
+<file path=ppt/notesSlides/notesSlide13.xml><?xml version="1.0" encoding="utf-8"?>
+<p:notes xmlns:a="http://schemas.openxmlformats.org/drawingml/2006/main" xmlns:r="http://schemas.openxmlformats.org/officeDocument/2006/relationships" xmlns:p="http://schemas.openxmlformats.org/presentationml/2006/main">
+  <p:cSld>
+    <p:spTree>
+      <p:nvGrpSpPr>
+        <p:cNvPr id="1" name=""/>
+        <p:cNvGrpSpPr/>
+        <p:nvPr/>
+      </p:nvGrpSpPr>
+      <p:grpSpPr>
+        <a:xfrm>
+          <a:off x="0" y="0"/>
+          <a:ext cx="0" cy="0"/>
+          <a:chOff x="0" y="0"/>
+          <a:chExt cx="0" cy="0"/>
+        </a:xfrm>
+      </p:grpSpPr>
+      <p:sp>
+        <p:nvSpPr>
+          <p:cNvPr id="2" name="Slide Image Placeholder 1"/>
+          <p:cNvSpPr>
+            <a:spLocks noGrp="1" noRot="1" noChangeAspect="1"/>
+          </p:cNvSpPr>
+          <p:nvPr>
+            <p:ph type="sldImg"/>
+          </p:nvPr>
+        </p:nvSpPr>
+        <p:spPr/>
+      </p:sp>
+      <p:sp>
+        <p:nvSpPr>
+          <p:cNvPr id="3" name="Notes Placeholder 2"/>
+          <p:cNvSpPr>
+            <a:spLocks noGrp="1"/>
+          </p:cNvSpPr>
+          <p:nvPr>
+            <p:ph type="body" idx="1"/>
+          </p:nvPr>
+        </p:nvSpPr>
+        <p:spPr/>
+        <p:txBody>
+          <a:bodyPr/>
+          <a:lstStyle/>
+          <a:p>
+            <a:r>
+              <a:rPr lang="en-US" dirty="0"/>
+              <a:t>This image shows the company names and logos for a variety of Microsoft partners who offer third-party Azure migration tools. The partners listed are </a:t>
+            </a:r>
+            <a:r>
+              <a:rPr lang="en-US" dirty="0" err="1"/>
+              <a:t>Attunity</a:t>
+            </a:r>
+            <a:r>
+              <a:rPr lang="en-US" dirty="0"/>
+              <a:t>, </a:t>
+            </a:r>
+            <a:r>
+              <a:rPr lang="en-US" dirty="0" err="1"/>
+              <a:t>CloudEndure</a:t>
+            </a:r>
+            <a:r>
+              <a:rPr lang="en-US" dirty="0"/>
+              <a:t>, </a:t>
+            </a:r>
+            <a:r>
+              <a:rPr lang="en-US" dirty="0" err="1"/>
+              <a:t>Corent</a:t>
+            </a:r>
+            <a:r>
+              <a:rPr lang="en-US" dirty="0"/>
+              <a:t>, </a:t>
+            </a:r>
+            <a:r>
+              <a:rPr lang="en-US" dirty="0" err="1"/>
+              <a:t>Datometry</a:t>
+            </a:r>
+            <a:r>
+              <a:rPr lang="en-US" dirty="0"/>
+              <a:t>, and Informatica.</a:t>
+            </a:r>
+          </a:p>
+        </p:txBody>
+      </p:sp>
+      <p:sp>
+        <p:nvSpPr>
+          <p:cNvPr id="4" name="Slide Number Placeholder 3"/>
+          <p:cNvSpPr>
+            <a:spLocks noGrp="1"/>
+          </p:cNvSpPr>
+          <p:nvPr>
+            <p:ph type="sldNum" sz="quarter" idx="10"/>
+          </p:nvPr>
+        </p:nvSpPr>
+        <p:spPr/>
+        <p:txBody>
+          <a:bodyPr/>
+          <a:lstStyle/>
+          <a:p>
+            <a:fld id="{148D4592-6837-45C4-B65B-13E03ECAF0B2}" type="slidenum">
+              <a:rPr lang="en-US" smtClean="0"/>
+              <a:t>13</a:t>
+            </a:fld>
+            <a:endParaRPr lang="en-US" dirty="0"/>
+          </a:p>
+        </p:txBody>
+      </p:sp>
+    </p:spTree>
+    <p:extLst>
+      <p:ext uri="{BB962C8B-B14F-4D97-AF65-F5344CB8AC3E}">
+        <p14:creationId xmlns:p14="http://schemas.microsoft.com/office/powerpoint/2010/main" val="2052709251"/>
       </p:ext>
     </p:extLst>
   </p:cSld>
@@ -12799,6 +12919,501 @@
     <p:extLst>
       <p:ext uri="{BB962C8B-B14F-4D97-AF65-F5344CB8AC3E}">
         <p14:creationId xmlns:p14="http://schemas.microsoft.com/office/powerpoint/2010/main" val="2621891882"/>
+      </p:ext>
+    </p:extLst>
+  </p:cSld>
+  <p:clrMapOvr>
+    <a:masterClrMapping/>
+  </p:clrMapOvr>
+  <mc:AlternateContent xmlns:mc="http://schemas.openxmlformats.org/markup-compatibility/2006" xmlns:p14="http://schemas.microsoft.com/office/powerpoint/2010/main">
+    <mc:Choice Requires="p14">
+      <p:transition p14:dur="0"/>
+    </mc:Choice>
+    <mc:Fallback xmlns="">
+      <p:transition/>
+    </mc:Fallback>
+  </mc:AlternateContent>
+</p:sld>
+</file>
+
+<file path=ppt/slides/slide13.xml><?xml version="1.0" encoding="utf-8"?>
+<p:sld xmlns:a="http://schemas.openxmlformats.org/drawingml/2006/main" xmlns:r="http://schemas.openxmlformats.org/officeDocument/2006/relationships" xmlns:p="http://schemas.openxmlformats.org/presentationml/2006/main">
+  <p:cSld>
+    <p:spTree>
+      <p:nvGrpSpPr>
+        <p:cNvPr id="1" name=""/>
+        <p:cNvGrpSpPr/>
+        <p:nvPr/>
+      </p:nvGrpSpPr>
+      <p:grpSpPr>
+        <a:xfrm>
+          <a:off x="0" y="0"/>
+          <a:ext cx="0" cy="0"/>
+          <a:chOff x="0" y="0"/>
+          <a:chExt cx="0" cy="0"/>
+        </a:xfrm>
+      </p:grpSpPr>
+      <p:sp>
+        <p:nvSpPr>
+          <p:cNvPr id="3" name="Rectangle 2">
+            <a:extLst>
+              <a:ext uri="{FF2B5EF4-FFF2-40B4-BE49-F238E27FC236}">
+                <a16:creationId xmlns:a16="http://schemas.microsoft.com/office/drawing/2014/main" id="{90174824-A1DD-4767-AC49-66AF83CD4218}"/>
+              </a:ext>
+            </a:extLst>
+          </p:cNvPr>
+          <p:cNvSpPr/>
+          <p:nvPr/>
+        </p:nvSpPr>
+        <p:spPr bwMode="auto">
+          <a:xfrm>
+            <a:off x="7442791" y="1189176"/>
+            <a:ext cx="4026195" cy="1873001"/>
+          </a:xfrm>
+          <a:prstGeom prst="rect">
+            <a:avLst/>
+          </a:prstGeom>
+          <a:solidFill>
+            <a:schemeClr val="tx1"/>
+          </a:solidFill>
+          <a:ln>
+            <a:noFill/>
+            <a:headEnd type="none" w="med" len="med"/>
+            <a:tailEnd type="none" w="med" len="med"/>
+          </a:ln>
+          <a:effectLst/>
+        </p:spPr>
+        <p:style>
+          <a:lnRef idx="1">
+            <a:schemeClr val="accent2"/>
+          </a:lnRef>
+          <a:fillRef idx="3">
+            <a:schemeClr val="accent2"/>
+          </a:fillRef>
+          <a:effectRef idx="2">
+            <a:schemeClr val="accent2"/>
+          </a:effectRef>
+          <a:fontRef idx="minor">
+            <a:schemeClr val="lt1"/>
+          </a:fontRef>
+        </p:style>
+        <p:txBody>
+          <a:bodyPr rot="0" spcFirstLastPara="0" vertOverflow="overflow" horzOverflow="overflow" vert="horz" wrap="square" lIns="182880" tIns="146304" rIns="182880" bIns="146304" numCol="1" spcCol="0" rtlCol="0" fromWordArt="0" anchor="t" anchorCtr="0" forceAA="0" compatLnSpc="1">
+            <a:prstTxWarp prst="textNoShape">
+              <a:avLst/>
+            </a:prstTxWarp>
+            <a:noAutofit/>
+          </a:bodyPr>
+          <a:lstStyle/>
+          <a:p>
+            <a:pPr algn="ctr" defTabSz="932472" fontAlgn="base">
+              <a:lnSpc>
+                <a:spcPct val="90000"/>
+              </a:lnSpc>
+              <a:spcBef>
+                <a:spcPct val="0"/>
+              </a:spcBef>
+              <a:spcAft>
+                <a:spcPct val="0"/>
+              </a:spcAft>
+            </a:pPr>
+            <a:endParaRPr lang="en-US" sz="2400" dirty="0" err="1">
+              <a:gradFill>
+                <a:gsLst>
+                  <a:gs pos="0">
+                    <a:srgbClr val="FFFFFF"/>
+                  </a:gs>
+                  <a:gs pos="100000">
+                    <a:srgbClr val="FFFFFF"/>
+                  </a:gs>
+                </a:gsLst>
+                <a:lin ang="5400000" scaled="0"/>
+              </a:gradFill>
+              <a:ea typeface="Segoe UI" pitchFamily="34" charset="0"/>
+              <a:cs typeface="Segoe UI" pitchFamily="34" charset="0"/>
+            </a:endParaRPr>
+          </a:p>
+        </p:txBody>
+      </p:sp>
+      <p:sp>
+        <p:nvSpPr>
+          <p:cNvPr id="2" name="Title 1"/>
+          <p:cNvSpPr>
+            <a:spLocks noGrp="1"/>
+          </p:cNvSpPr>
+          <p:nvPr>
+            <p:ph type="title"/>
+          </p:nvPr>
+        </p:nvSpPr>
+        <p:spPr/>
+        <p:txBody>
+          <a:bodyPr/>
+          <a:lstStyle/>
+          <a:p>
+            <a:r>
+              <a:rPr lang="en-US" sz="4400" dirty="0">
+                <a:solidFill>
+                  <a:schemeClr val="tx1"/>
+                </a:solidFill>
+              </a:rPr>
+              <a:t>HR App – web tier migration steps</a:t>
+            </a:r>
+          </a:p>
+        </p:txBody>
+      </p:sp>
+      <p:sp>
+        <p:nvSpPr>
+          <p:cNvPr id="6" name="Text Placeholder 5">
+            <a:extLst>
+              <a:ext uri="{FF2B5EF4-FFF2-40B4-BE49-F238E27FC236}">
+                <a16:creationId xmlns:a16="http://schemas.microsoft.com/office/drawing/2014/main" id="{E02E170E-DC50-45FE-B4FD-898E1CD6152F}"/>
+              </a:ext>
+            </a:extLst>
+          </p:cNvPr>
+          <p:cNvSpPr>
+            <a:spLocks noGrp="1"/>
+          </p:cNvSpPr>
+          <p:nvPr>
+            <p:ph type="body" sz="quarter" idx="10"/>
+          </p:nvPr>
+        </p:nvSpPr>
+        <p:spPr/>
+        <p:txBody>
+          <a:bodyPr/>
+          <a:lstStyle/>
+          <a:p>
+            <a:endParaRPr lang="en-IE"/>
+          </a:p>
+        </p:txBody>
+      </p:sp>
+      <p:pic>
+        <p:nvPicPr>
+          <p:cNvPr id="10" name="Picture 9">
+            <a:extLst>
+              <a:ext uri="{FF2B5EF4-FFF2-40B4-BE49-F238E27FC236}">
+                <a16:creationId xmlns:a16="http://schemas.microsoft.com/office/drawing/2014/main" id="{6AA95A72-233F-41C6-A7A3-73AD86AA0B9D}"/>
+              </a:ext>
+            </a:extLst>
+          </p:cNvPr>
+          <p:cNvPicPr>
+            <a:picLocks noChangeAspect="1"/>
+          </p:cNvPicPr>
+          <p:nvPr/>
+        </p:nvPicPr>
+        <p:blipFill>
+          <a:blip r:embed="rId3" cstate="print">
+            <a:extLst>
+              <a:ext uri="{28A0092B-C50C-407E-A947-70E740481C1C}">
+                <a14:useLocalDpi xmlns:a14="http://schemas.microsoft.com/office/drawing/2010/main" val="0"/>
+              </a:ext>
+            </a:extLst>
+          </a:blip>
+          <a:stretch>
+            <a:fillRect/>
+          </a:stretch>
+        </p:blipFill>
+        <p:spPr>
+          <a:xfrm>
+            <a:off x="7805063" y="1600930"/>
+            <a:ext cx="780290" cy="780290"/>
+          </a:xfrm>
+          <a:prstGeom prst="rect">
+            <a:avLst/>
+          </a:prstGeom>
+        </p:spPr>
+      </p:pic>
+      <p:pic>
+        <p:nvPicPr>
+          <p:cNvPr id="12" name="Picture 11">
+            <a:extLst>
+              <a:ext uri="{FF2B5EF4-FFF2-40B4-BE49-F238E27FC236}">
+                <a16:creationId xmlns:a16="http://schemas.microsoft.com/office/drawing/2014/main" id="{3F783A54-E964-4DF6-996A-F1B361729459}"/>
+              </a:ext>
+            </a:extLst>
+          </p:cNvPr>
+          <p:cNvPicPr>
+            <a:picLocks noChangeAspect="1"/>
+          </p:cNvPicPr>
+          <p:nvPr/>
+        </p:nvPicPr>
+        <p:blipFill>
+          <a:blip r:embed="rId4" cstate="print">
+            <a:extLst>
+              <a:ext uri="{28A0092B-C50C-407E-A947-70E740481C1C}">
+                <a14:useLocalDpi xmlns:a14="http://schemas.microsoft.com/office/drawing/2010/main" val="0"/>
+              </a:ext>
+            </a:extLst>
+          </a:blip>
+          <a:stretch>
+            <a:fillRect/>
+          </a:stretch>
+        </p:blipFill>
+        <p:spPr>
+          <a:xfrm>
+            <a:off x="10318526" y="1671831"/>
+            <a:ext cx="780290" cy="780290"/>
+          </a:xfrm>
+          <a:prstGeom prst="rect">
+            <a:avLst/>
+          </a:prstGeom>
+        </p:spPr>
+      </p:pic>
+      <p:sp>
+        <p:nvSpPr>
+          <p:cNvPr id="14" name="Arrow: Right 13">
+            <a:extLst>
+              <a:ext uri="{FF2B5EF4-FFF2-40B4-BE49-F238E27FC236}">
+                <a16:creationId xmlns:a16="http://schemas.microsoft.com/office/drawing/2014/main" id="{A8F6DED5-18E7-4531-8458-EEB8E9840B04}"/>
+              </a:ext>
+            </a:extLst>
+          </p:cNvPr>
+          <p:cNvSpPr/>
+          <p:nvPr/>
+        </p:nvSpPr>
+        <p:spPr bwMode="auto">
+          <a:xfrm>
+            <a:off x="8585353" y="1860678"/>
+            <a:ext cx="1702987" cy="259749"/>
+          </a:xfrm>
+          <a:prstGeom prst="rightArrow">
+            <a:avLst>
+              <a:gd name="adj1" fmla="val 43294"/>
+              <a:gd name="adj2" fmla="val 73469"/>
+            </a:avLst>
+          </a:prstGeom>
+          <a:solidFill>
+            <a:schemeClr val="accent4"/>
+          </a:solidFill>
+          <a:ln>
+            <a:noFill/>
+            <a:headEnd type="none" w="med" len="med"/>
+            <a:tailEnd type="none" w="med" len="med"/>
+          </a:ln>
+          <a:effectLst/>
+        </p:spPr>
+        <p:style>
+          <a:lnRef idx="1">
+            <a:schemeClr val="accent2"/>
+          </a:lnRef>
+          <a:fillRef idx="3">
+            <a:schemeClr val="accent2"/>
+          </a:fillRef>
+          <a:effectRef idx="2">
+            <a:schemeClr val="accent2"/>
+          </a:effectRef>
+          <a:fontRef idx="minor">
+            <a:schemeClr val="lt1"/>
+          </a:fontRef>
+        </p:style>
+        <p:txBody>
+          <a:bodyPr rot="0" spcFirstLastPara="0" vertOverflow="overflow" horzOverflow="overflow" vert="horz" wrap="square" lIns="182880" tIns="146304" rIns="182880" bIns="146304" numCol="1" spcCol="0" rtlCol="0" fromWordArt="0" anchor="t" anchorCtr="0" forceAA="0" compatLnSpc="1">
+            <a:prstTxWarp prst="textNoShape">
+              <a:avLst/>
+            </a:prstTxWarp>
+            <a:noAutofit/>
+          </a:bodyPr>
+          <a:lstStyle/>
+          <a:p>
+            <a:pPr algn="ctr" defTabSz="932472" fontAlgn="base">
+              <a:lnSpc>
+                <a:spcPct val="90000"/>
+              </a:lnSpc>
+              <a:spcBef>
+                <a:spcPct val="0"/>
+              </a:spcBef>
+              <a:spcAft>
+                <a:spcPct val="0"/>
+              </a:spcAft>
+            </a:pPr>
+            <a:endParaRPr lang="en-IE" sz="2400" dirty="0" err="1">
+              <a:gradFill>
+                <a:gsLst>
+                  <a:gs pos="0">
+                    <a:srgbClr val="FFFFFF"/>
+                  </a:gs>
+                  <a:gs pos="100000">
+                    <a:srgbClr val="FFFFFF"/>
+                  </a:gs>
+                </a:gsLst>
+                <a:lin ang="5400000" scaled="0"/>
+              </a:gradFill>
+              <a:ea typeface="Segoe UI" pitchFamily="34" charset="0"/>
+              <a:cs typeface="Segoe UI" pitchFamily="34" charset="0"/>
+            </a:endParaRPr>
+          </a:p>
+        </p:txBody>
+      </p:sp>
+      <p:sp>
+        <p:nvSpPr>
+          <p:cNvPr id="16" name="Rectangle 15">
+            <a:extLst>
+              <a:ext uri="{FF2B5EF4-FFF2-40B4-BE49-F238E27FC236}">
+                <a16:creationId xmlns:a16="http://schemas.microsoft.com/office/drawing/2014/main" id="{B9D10772-7CD0-4278-A7BC-59BB94F1EE70}"/>
+              </a:ext>
+            </a:extLst>
+          </p:cNvPr>
+          <p:cNvSpPr/>
+          <p:nvPr/>
+        </p:nvSpPr>
+        <p:spPr bwMode="auto">
+          <a:xfrm>
+            <a:off x="9054595" y="1810236"/>
+            <a:ext cx="780290" cy="404290"/>
+          </a:xfrm>
+          <a:prstGeom prst="rect">
+            <a:avLst/>
+          </a:prstGeom>
+          <a:solidFill>
+            <a:schemeClr val="tx1"/>
+          </a:solidFill>
+          <a:ln>
+            <a:noFill/>
+            <a:headEnd type="none" w="med" len="med"/>
+            <a:tailEnd type="none" w="med" len="med"/>
+          </a:ln>
+          <a:effectLst/>
+        </p:spPr>
+        <p:style>
+          <a:lnRef idx="1">
+            <a:schemeClr val="accent2"/>
+          </a:lnRef>
+          <a:fillRef idx="3">
+            <a:schemeClr val="accent2"/>
+          </a:fillRef>
+          <a:effectRef idx="2">
+            <a:schemeClr val="accent2"/>
+          </a:effectRef>
+          <a:fontRef idx="minor">
+            <a:schemeClr val="lt1"/>
+          </a:fontRef>
+        </p:style>
+        <p:txBody>
+          <a:bodyPr rot="0" spcFirstLastPara="0" vertOverflow="overflow" horzOverflow="overflow" vert="horz" wrap="square" lIns="182880" tIns="146304" rIns="182880" bIns="146304" numCol="1" spcCol="0" rtlCol="0" fromWordArt="0" anchor="t" anchorCtr="0" forceAA="0" compatLnSpc="1">
+            <a:prstTxWarp prst="textNoShape">
+              <a:avLst/>
+            </a:prstTxWarp>
+            <a:noAutofit/>
+          </a:bodyPr>
+          <a:lstStyle/>
+          <a:p>
+            <a:pPr algn="ctr" defTabSz="932472" fontAlgn="base">
+              <a:lnSpc>
+                <a:spcPct val="90000"/>
+              </a:lnSpc>
+              <a:spcBef>
+                <a:spcPct val="0"/>
+              </a:spcBef>
+              <a:spcAft>
+                <a:spcPct val="0"/>
+              </a:spcAft>
+            </a:pPr>
+            <a:endParaRPr lang="en-IE" sz="2400" dirty="0" err="1">
+              <a:gradFill>
+                <a:gsLst>
+                  <a:gs pos="0">
+                    <a:srgbClr val="FFFFFF"/>
+                  </a:gs>
+                  <a:gs pos="100000">
+                    <a:srgbClr val="FFFFFF"/>
+                  </a:gs>
+                </a:gsLst>
+                <a:lin ang="5400000" scaled="0"/>
+              </a:gradFill>
+              <a:ea typeface="Segoe UI" pitchFamily="34" charset="0"/>
+              <a:cs typeface="Segoe UI" pitchFamily="34" charset="0"/>
+            </a:endParaRPr>
+          </a:p>
+        </p:txBody>
+      </p:sp>
+      <p:pic>
+        <p:nvPicPr>
+          <p:cNvPr id="17" name="Picture 16">
+            <a:extLst>
+              <a:ext uri="{FF2B5EF4-FFF2-40B4-BE49-F238E27FC236}">
+                <a16:creationId xmlns:a16="http://schemas.microsoft.com/office/drawing/2014/main" id="{75D2BE57-9640-4677-B2F5-ADB9B171EC61}"/>
+              </a:ext>
+            </a:extLst>
+          </p:cNvPr>
+          <p:cNvPicPr>
+            <a:picLocks noChangeAspect="1"/>
+          </p:cNvPicPr>
+          <p:nvPr/>
+        </p:nvPicPr>
+        <p:blipFill>
+          <a:blip r:embed="rId5" cstate="print">
+            <a:extLst>
+              <a:ext uri="{28A0092B-C50C-407E-A947-70E740481C1C}">
+                <a14:useLocalDpi xmlns:a14="http://schemas.microsoft.com/office/drawing/2010/main" val="0"/>
+              </a:ext>
+            </a:extLst>
+          </a:blip>
+          <a:stretch>
+            <a:fillRect/>
+          </a:stretch>
+        </p:blipFill>
+        <p:spPr>
+          <a:xfrm>
+            <a:off x="9046701" y="1600930"/>
+            <a:ext cx="780290" cy="780290"/>
+          </a:xfrm>
+          <a:prstGeom prst="rect">
+            <a:avLst/>
+          </a:prstGeom>
+        </p:spPr>
+      </p:pic>
+      <p:sp>
+        <p:nvSpPr>
+          <p:cNvPr id="18" name="TextBox 17">
+            <a:extLst>
+              <a:ext uri="{FF2B5EF4-FFF2-40B4-BE49-F238E27FC236}">
+                <a16:creationId xmlns:a16="http://schemas.microsoft.com/office/drawing/2014/main" id="{22EC9E80-5B8B-483F-9100-6BC1452BA735}"/>
+              </a:ext>
+            </a:extLst>
+          </p:cNvPr>
+          <p:cNvSpPr txBox="1"/>
+          <p:nvPr/>
+        </p:nvSpPr>
+        <p:spPr>
+          <a:xfrm>
+            <a:off x="8793852" y="2191538"/>
+            <a:ext cx="1155528" cy="683264"/>
+          </a:xfrm>
+          <a:prstGeom prst="rect">
+            <a:avLst/>
+          </a:prstGeom>
+          <a:noFill/>
+        </p:spPr>
+        <p:txBody>
+          <a:bodyPr wrap="square" lIns="0" tIns="146304" rIns="0" bIns="146304" rtlCol="0">
+            <a:spAutoFit/>
+          </a:bodyPr>
+          <a:lstStyle/>
+          <a:p>
+            <a:pPr algn="ctr">
+              <a:lnSpc>
+                <a:spcPct val="90000"/>
+              </a:lnSpc>
+              <a:spcAft>
+                <a:spcPts val="600"/>
+              </a:spcAft>
+            </a:pPr>
+            <a:r>
+              <a:rPr lang="en-IE" sz="1400" b="1" dirty="0">
+                <a:solidFill>
+                  <a:schemeClr val="bg1"/>
+                </a:solidFill>
+                <a:latin typeface="Segoe UI" panose="020B0502040204020203" pitchFamily="34" charset="0"/>
+                <a:cs typeface="Segoe UI" panose="020B0502040204020203" pitchFamily="34" charset="0"/>
+              </a:rPr>
+              <a:t>Azure Site Recovery</a:t>
+            </a:r>
+          </a:p>
+        </p:txBody>
+      </p:sp>
+    </p:spTree>
+    <p:extLst>
+      <p:ext uri="{BB962C8B-B14F-4D97-AF65-F5344CB8AC3E}">
+        <p14:creationId xmlns:p14="http://schemas.microsoft.com/office/powerpoint/2010/main" val="3798025267"/>
       </p:ext>
     </p:extLst>
   </p:cSld>
